--- a/C1_documentation/problems_ice.pptx
+++ b/C1_documentation/problems_ice.pptx
@@ -5,7 +5,11 @@
     <p:sldMasterId id="2147483648" r:id="rId1"/>
   </p:sldMasterIdLst>
   <p:sldIdLst>
-    <p:sldId id="256" r:id="rId2"/>
+    <p:sldId id="259" r:id="rId2"/>
+    <p:sldId id="256" r:id="rId3"/>
+    <p:sldId id="257" r:id="rId4"/>
+    <p:sldId id="258" r:id="rId5"/>
+    <p:sldId id="260" r:id="rId6"/>
   </p:sldIdLst>
   <p:sldSz cx="12192000" cy="6858000"/>
   <p:notesSz cx="6858000" cy="9144000"/>
@@ -104,6 +108,11 @@
       </a:defRPr>
     </a:lvl9pPr>
   </p:defaultTextStyle>
+  <p:extLst>
+    <p:ext uri="{EFAFB233-063F-42B5-8137-9DF3F51BA10A}">
+      <p15:sldGuideLst xmlns:p15="http://schemas.microsoft.com/office/powerpoint/2012/main"/>
+    </p:ext>
+  </p:extLst>
 </p:presentation>
 </file>
 
@@ -238,7 +247,7 @@
           <a:p>
             <a:fld id="{A3DFD1C4-66D6-4B95-91DF-B66FF7618C52}" type="datetimeFigureOut">
               <a:rPr lang="en-US" smtClean="0"/>
-              <a:t>4/24/2024</a:t>
+              <a:t>6/3/2024</a:t>
             </a:fld>
             <a:endParaRPr lang="en-US"/>
           </a:p>
@@ -408,7 +417,7 @@
           <a:p>
             <a:fld id="{A3DFD1C4-66D6-4B95-91DF-B66FF7618C52}" type="datetimeFigureOut">
               <a:rPr lang="en-US" smtClean="0"/>
-              <a:t>4/24/2024</a:t>
+              <a:t>6/3/2024</a:t>
             </a:fld>
             <a:endParaRPr lang="en-US"/>
           </a:p>
@@ -588,7 +597,7 @@
           <a:p>
             <a:fld id="{A3DFD1C4-66D6-4B95-91DF-B66FF7618C52}" type="datetimeFigureOut">
               <a:rPr lang="en-US" smtClean="0"/>
-              <a:t>4/24/2024</a:t>
+              <a:t>6/3/2024</a:t>
             </a:fld>
             <a:endParaRPr lang="en-US"/>
           </a:p>
@@ -758,7 +767,7 @@
           <a:p>
             <a:fld id="{A3DFD1C4-66D6-4B95-91DF-B66FF7618C52}" type="datetimeFigureOut">
               <a:rPr lang="en-US" smtClean="0"/>
-              <a:t>4/24/2024</a:t>
+              <a:t>6/3/2024</a:t>
             </a:fld>
             <a:endParaRPr lang="en-US"/>
           </a:p>
@@ -1004,7 +1013,7 @@
           <a:p>
             <a:fld id="{A3DFD1C4-66D6-4B95-91DF-B66FF7618C52}" type="datetimeFigureOut">
               <a:rPr lang="en-US" smtClean="0"/>
-              <a:t>4/24/2024</a:t>
+              <a:t>6/3/2024</a:t>
             </a:fld>
             <a:endParaRPr lang="en-US"/>
           </a:p>
@@ -1236,7 +1245,7 @@
           <a:p>
             <a:fld id="{A3DFD1C4-66D6-4B95-91DF-B66FF7618C52}" type="datetimeFigureOut">
               <a:rPr lang="en-US" smtClean="0"/>
-              <a:t>4/24/2024</a:t>
+              <a:t>6/3/2024</a:t>
             </a:fld>
             <a:endParaRPr lang="en-US"/>
           </a:p>
@@ -1603,7 +1612,7 @@
           <a:p>
             <a:fld id="{A3DFD1C4-66D6-4B95-91DF-B66FF7618C52}" type="datetimeFigureOut">
               <a:rPr lang="en-US" smtClean="0"/>
-              <a:t>4/24/2024</a:t>
+              <a:t>6/3/2024</a:t>
             </a:fld>
             <a:endParaRPr lang="en-US"/>
           </a:p>
@@ -1721,7 +1730,7 @@
           <a:p>
             <a:fld id="{A3DFD1C4-66D6-4B95-91DF-B66FF7618C52}" type="datetimeFigureOut">
               <a:rPr lang="en-US" smtClean="0"/>
-              <a:t>4/24/2024</a:t>
+              <a:t>6/3/2024</a:t>
             </a:fld>
             <a:endParaRPr lang="en-US"/>
           </a:p>
@@ -1816,7 +1825,7 @@
           <a:p>
             <a:fld id="{A3DFD1C4-66D6-4B95-91DF-B66FF7618C52}" type="datetimeFigureOut">
               <a:rPr lang="en-US" smtClean="0"/>
-              <a:t>4/24/2024</a:t>
+              <a:t>6/3/2024</a:t>
             </a:fld>
             <a:endParaRPr lang="en-US"/>
           </a:p>
@@ -2093,7 +2102,7 @@
           <a:p>
             <a:fld id="{A3DFD1C4-66D6-4B95-91DF-B66FF7618C52}" type="datetimeFigureOut">
               <a:rPr lang="en-US" smtClean="0"/>
-              <a:t>4/24/2024</a:t>
+              <a:t>6/3/2024</a:t>
             </a:fld>
             <a:endParaRPr lang="en-US"/>
           </a:p>
@@ -2346,7 +2355,7 @@
           <a:p>
             <a:fld id="{A3DFD1C4-66D6-4B95-91DF-B66FF7618C52}" type="datetimeFigureOut">
               <a:rPr lang="en-US" smtClean="0"/>
-              <a:t>4/24/2024</a:t>
+              <a:t>6/3/2024</a:t>
             </a:fld>
             <a:endParaRPr lang="en-US"/>
           </a:p>
@@ -2559,7 +2568,7 @@
           <a:p>
             <a:fld id="{A3DFD1C4-66D6-4B95-91DF-B66FF7618C52}" type="datetimeFigureOut">
               <a:rPr lang="en-US" smtClean="0"/>
-              <a:t>4/24/2024</a:t>
+              <a:t>6/3/2024</a:t>
             </a:fld>
             <a:endParaRPr lang="en-US"/>
           </a:p>
@@ -2980,8 +2989,483 @@
           <a:lstStyle/>
           <a:p>
             <a:r>
-              <a:rPr lang="fr-CH" dirty="0" err="1" smtClean="0"/>
-              <a:t>Problems</a:t>
+              <a:rPr lang="fr-CH" dirty="0" smtClean="0"/>
+              <a:t>Genesis</a:t>
+            </a:r>
+            <a:endParaRPr lang="en-US" dirty="0"/>
+          </a:p>
+        </p:txBody>
+      </p:sp>
+      <p:sp>
+        <p:nvSpPr>
+          <p:cNvPr id="5" name="Content Placeholder 4"/>
+          <p:cNvSpPr>
+            <a:spLocks noGrp="1"/>
+          </p:cNvSpPr>
+          <p:nvPr>
+            <p:ph idx="1"/>
+          </p:nvPr>
+        </p:nvSpPr>
+        <p:spPr/>
+        <p:txBody>
+          <a:bodyPr>
+            <a:normAutofit lnSpcReduction="10000"/>
+          </a:bodyPr>
+          <a:lstStyle/>
+          <a:p>
+            <a:r>
+              <a:rPr lang="fr-CH" dirty="0" err="1" smtClean="0"/>
+              <a:t>We</a:t>
+            </a:r>
+            <a:r>
+              <a:rPr lang="fr-CH" dirty="0" smtClean="0"/>
+              <a:t> </a:t>
+            </a:r>
+            <a:r>
+              <a:rPr lang="fr-CH" dirty="0" err="1" smtClean="0"/>
+              <a:t>want</a:t>
+            </a:r>
+            <a:r>
+              <a:rPr lang="fr-CH" dirty="0" smtClean="0"/>
+              <a:t> the </a:t>
+            </a:r>
+            <a:r>
+              <a:rPr lang="fr-CH" dirty="0" err="1" smtClean="0"/>
+              <a:t>response</a:t>
+            </a:r>
+            <a:r>
+              <a:rPr lang="fr-CH" dirty="0" smtClean="0"/>
+              <a:t> </a:t>
+            </a:r>
+            <a:r>
+              <a:rPr lang="fr-CH" dirty="0" err="1" smtClean="0"/>
+              <a:t>shape</a:t>
+            </a:r>
+            <a:r>
+              <a:rPr lang="fr-CH" dirty="0" smtClean="0"/>
+              <a:t> of </a:t>
+            </a:r>
+            <a:r>
+              <a:rPr lang="fr-CH" dirty="0" err="1" smtClean="0"/>
+              <a:t>Streambugs</a:t>
+            </a:r>
+            <a:endParaRPr lang="fr-CH" dirty="0" smtClean="0"/>
+          </a:p>
+          <a:p>
+            <a:r>
+              <a:rPr lang="fr-CH" dirty="0" err="1" smtClean="0"/>
+              <a:t>We</a:t>
+            </a:r>
+            <a:r>
+              <a:rPr lang="fr-CH" dirty="0" smtClean="0"/>
+              <a:t> </a:t>
+            </a:r>
+            <a:r>
+              <a:rPr lang="fr-CH" dirty="0" err="1" smtClean="0"/>
+              <a:t>make</a:t>
+            </a:r>
+            <a:r>
+              <a:rPr lang="fr-CH" dirty="0" smtClean="0"/>
+              <a:t> </a:t>
+            </a:r>
+            <a:r>
+              <a:rPr lang="fr-CH" dirty="0" err="1" smtClean="0"/>
+              <a:t>tempmax</a:t>
+            </a:r>
+            <a:r>
+              <a:rPr lang="fr-CH" dirty="0" smtClean="0"/>
+              <a:t> </a:t>
+            </a:r>
+            <a:r>
+              <a:rPr lang="fr-CH" dirty="0" err="1" smtClean="0"/>
+              <a:t>vary</a:t>
+            </a:r>
+            <a:endParaRPr lang="fr-CH" dirty="0" smtClean="0"/>
+          </a:p>
+          <a:p>
+            <a:pPr lvl="1"/>
+            <a:r>
+              <a:rPr lang="fr-CH" dirty="0" err="1" smtClean="0"/>
+              <a:t>What</a:t>
+            </a:r>
+            <a:r>
+              <a:rPr lang="fr-CH" dirty="0" smtClean="0"/>
+              <a:t> about </a:t>
+            </a:r>
+            <a:r>
+              <a:rPr lang="fr-CH" dirty="0" err="1" smtClean="0"/>
+              <a:t>temp</a:t>
+            </a:r>
+            <a:r>
+              <a:rPr lang="fr-CH" dirty="0" smtClean="0"/>
+              <a:t> </a:t>
+            </a:r>
+            <a:r>
+              <a:rPr lang="fr-CH" dirty="0" err="1" smtClean="0"/>
+              <a:t>average</a:t>
+            </a:r>
+            <a:r>
+              <a:rPr lang="fr-CH" dirty="0" smtClean="0"/>
+              <a:t> </a:t>
+            </a:r>
+            <a:r>
+              <a:rPr lang="fr-CH" dirty="0" err="1" smtClean="0"/>
+              <a:t>going</a:t>
+            </a:r>
+            <a:r>
+              <a:rPr lang="fr-CH" dirty="0" smtClean="0"/>
+              <a:t> in </a:t>
+            </a:r>
+            <a:r>
+              <a:rPr lang="fr-CH" dirty="0" err="1" smtClean="0"/>
+              <a:t>metabolic</a:t>
+            </a:r>
+            <a:r>
+              <a:rPr lang="fr-CH" dirty="0" smtClean="0"/>
+              <a:t> rate? </a:t>
+            </a:r>
+            <a:r>
+              <a:rPr lang="fr-CH" dirty="0" err="1" smtClean="0"/>
+              <a:t>We</a:t>
+            </a:r>
+            <a:r>
+              <a:rPr lang="fr-CH" dirty="0" smtClean="0"/>
+              <a:t> </a:t>
+            </a:r>
+            <a:r>
+              <a:rPr lang="fr-CH" dirty="0" err="1" smtClean="0"/>
+              <a:t>don’t</a:t>
+            </a:r>
+            <a:r>
+              <a:rPr lang="fr-CH" dirty="0" smtClean="0"/>
+              <a:t> change </a:t>
+            </a:r>
+            <a:r>
+              <a:rPr lang="fr-CH" dirty="0" err="1" smtClean="0"/>
+              <a:t>it</a:t>
+            </a:r>
+            <a:r>
+              <a:rPr lang="fr-CH" dirty="0" smtClean="0"/>
+              <a:t> for </a:t>
+            </a:r>
+            <a:r>
+              <a:rPr lang="fr-CH" dirty="0" err="1" smtClean="0"/>
+              <a:t>now</a:t>
+            </a:r>
+            <a:endParaRPr lang="fr-CH" dirty="0" smtClean="0"/>
+          </a:p>
+          <a:p>
+            <a:r>
+              <a:rPr lang="fr-CH" dirty="0" smtClean="0"/>
+              <a:t>For </a:t>
+            </a:r>
+            <a:r>
+              <a:rPr lang="fr-CH" dirty="0" err="1" smtClean="0"/>
+              <a:t>some</a:t>
+            </a:r>
+            <a:r>
+              <a:rPr lang="fr-CH" dirty="0" smtClean="0"/>
+              <a:t> taxa and site the line stops </a:t>
+            </a:r>
+            <a:r>
+              <a:rPr lang="fr-CH" dirty="0" err="1" smtClean="0"/>
+              <a:t>abruptly</a:t>
+            </a:r>
+            <a:r>
+              <a:rPr lang="fr-CH" dirty="0" smtClean="0"/>
+              <a:t> </a:t>
+            </a:r>
+            <a:r>
+              <a:rPr lang="fr-CH" dirty="0" err="1" smtClean="0"/>
+              <a:t>showing</a:t>
+            </a:r>
+            <a:r>
+              <a:rPr lang="fr-CH" dirty="0" smtClean="0"/>
+              <a:t> a </a:t>
+            </a:r>
+            <a:r>
+              <a:rPr lang="fr-CH" dirty="0" err="1" smtClean="0"/>
+              <a:t>problem</a:t>
+            </a:r>
+            <a:r>
+              <a:rPr lang="fr-CH" dirty="0" smtClean="0"/>
+              <a:t> of NA</a:t>
+            </a:r>
+          </a:p>
+          <a:p>
+            <a:r>
+              <a:rPr lang="fr-CH" dirty="0" err="1" smtClean="0"/>
+              <a:t>We</a:t>
+            </a:r>
+            <a:r>
+              <a:rPr lang="fr-CH" dirty="0" smtClean="0"/>
+              <a:t> </a:t>
+            </a:r>
+            <a:r>
+              <a:rPr lang="fr-CH" dirty="0" err="1" smtClean="0"/>
+              <a:t>get</a:t>
+            </a:r>
+            <a:r>
+              <a:rPr lang="fr-CH" dirty="0" smtClean="0"/>
+              <a:t> </a:t>
+            </a:r>
+            <a:r>
+              <a:rPr lang="fr-CH" dirty="0" err="1" smtClean="0"/>
+              <a:t>irregular</a:t>
+            </a:r>
+            <a:r>
+              <a:rPr lang="fr-CH" dirty="0" smtClean="0"/>
+              <a:t> </a:t>
+            </a:r>
+            <a:r>
+              <a:rPr lang="fr-CH" dirty="0" err="1" smtClean="0"/>
+              <a:t>shapes</a:t>
+            </a:r>
+            <a:r>
+              <a:rPr lang="fr-CH" dirty="0" smtClean="0"/>
+              <a:t> for </a:t>
+            </a:r>
+            <a:r>
+              <a:rPr lang="fr-CH" dirty="0" err="1" smtClean="0"/>
+              <a:t>most</a:t>
+            </a:r>
+            <a:r>
+              <a:rPr lang="fr-CH" dirty="0" smtClean="0"/>
+              <a:t> taxa, for </a:t>
+            </a:r>
+            <a:r>
+              <a:rPr lang="fr-CH" dirty="0" err="1" smtClean="0"/>
+              <a:t>some</a:t>
+            </a:r>
+            <a:r>
+              <a:rPr lang="fr-CH" dirty="0" smtClean="0"/>
+              <a:t> sites (</a:t>
+            </a:r>
+            <a:r>
+              <a:rPr lang="fr-CH" dirty="0" err="1" smtClean="0"/>
+              <a:t>see</a:t>
+            </a:r>
+            <a:r>
+              <a:rPr lang="fr-CH" dirty="0" smtClean="0"/>
+              <a:t> </a:t>
+            </a:r>
+            <a:r>
+              <a:rPr lang="fr-CH" dirty="0" err="1" smtClean="0"/>
+              <a:t>next</a:t>
+            </a:r>
+            <a:r>
+              <a:rPr lang="fr-CH" dirty="0" smtClean="0"/>
+              <a:t> slide)</a:t>
+            </a:r>
+          </a:p>
+          <a:p>
+            <a:pPr lvl="1"/>
+            <a:r>
+              <a:rPr lang="fr-CH" dirty="0" smtClean="0"/>
+              <a:t>It </a:t>
+            </a:r>
+            <a:r>
+              <a:rPr lang="fr-CH" dirty="0" err="1" smtClean="0"/>
+              <a:t>can’t</a:t>
+            </a:r>
+            <a:r>
+              <a:rPr lang="fr-CH" dirty="0" smtClean="0"/>
+              <a:t> </a:t>
+            </a:r>
+            <a:r>
+              <a:rPr lang="fr-CH" dirty="0" err="1" smtClean="0"/>
+              <a:t>be</a:t>
+            </a:r>
+            <a:r>
+              <a:rPr lang="fr-CH" dirty="0" smtClean="0"/>
+              <a:t> interactions </a:t>
+            </a:r>
+            <a:r>
+              <a:rPr lang="fr-CH" dirty="0" err="1" smtClean="0"/>
+              <a:t>with</a:t>
+            </a:r>
+            <a:r>
+              <a:rPr lang="fr-CH" dirty="0" smtClean="0"/>
+              <a:t> </a:t>
+            </a:r>
+            <a:r>
+              <a:rPr lang="fr-CH" dirty="0" err="1" smtClean="0"/>
+              <a:t>other</a:t>
+            </a:r>
+            <a:r>
+              <a:rPr lang="fr-CH" dirty="0" smtClean="0"/>
+              <a:t> </a:t>
+            </a:r>
+            <a:r>
+              <a:rPr lang="fr-CH" dirty="0" err="1" smtClean="0"/>
+              <a:t>environmental</a:t>
+            </a:r>
+            <a:r>
+              <a:rPr lang="fr-CH" dirty="0" smtClean="0"/>
+              <a:t> </a:t>
+            </a:r>
+            <a:r>
+              <a:rPr lang="fr-CH" dirty="0" err="1" smtClean="0"/>
+              <a:t>factors</a:t>
+            </a:r>
+            <a:r>
+              <a:rPr lang="fr-CH" dirty="0" smtClean="0"/>
+              <a:t> </a:t>
+            </a:r>
+            <a:r>
+              <a:rPr lang="fr-CH" dirty="0" err="1" smtClean="0"/>
+              <a:t>since</a:t>
+            </a:r>
+            <a:r>
+              <a:rPr lang="fr-CH" dirty="0" smtClean="0"/>
+              <a:t> </a:t>
+            </a:r>
+            <a:r>
+              <a:rPr lang="fr-CH" dirty="0" err="1" smtClean="0"/>
+              <a:t>they</a:t>
+            </a:r>
+            <a:r>
+              <a:rPr lang="fr-CH" dirty="0" smtClean="0"/>
+              <a:t> are all </a:t>
+            </a:r>
+            <a:r>
+              <a:rPr lang="fr-CH" dirty="0" err="1" smtClean="0"/>
+              <a:t>fixed</a:t>
+            </a:r>
+            <a:endParaRPr lang="fr-CH" dirty="0" smtClean="0"/>
+          </a:p>
+          <a:p>
+            <a:pPr lvl="1"/>
+            <a:r>
+              <a:rPr lang="fr-CH" dirty="0" err="1" smtClean="0"/>
+              <a:t>They</a:t>
+            </a:r>
+            <a:r>
+              <a:rPr lang="fr-CH" dirty="0" smtClean="0"/>
+              <a:t> are not a </a:t>
+            </a:r>
+            <a:r>
+              <a:rPr lang="fr-CH" dirty="0" err="1" smtClean="0"/>
+              <a:t>numerical</a:t>
+            </a:r>
+            <a:r>
+              <a:rPr lang="fr-CH" dirty="0" smtClean="0"/>
+              <a:t> </a:t>
+            </a:r>
+            <a:r>
+              <a:rPr lang="fr-CH" dirty="0" err="1" smtClean="0"/>
+              <a:t>problem</a:t>
+            </a:r>
+            <a:r>
+              <a:rPr lang="fr-CH" dirty="0" smtClean="0"/>
+              <a:t> </a:t>
+            </a:r>
+            <a:r>
+              <a:rPr lang="fr-CH" dirty="0" smtClean="0">
+                <a:sym typeface="Wingdings" panose="05000000000000000000" pitchFamily="2" charset="2"/>
+              </a:rPr>
+              <a:t> </a:t>
+            </a:r>
+            <a:r>
+              <a:rPr lang="fr-CH" dirty="0" err="1" smtClean="0">
+                <a:sym typeface="Wingdings" panose="05000000000000000000" pitchFamily="2" charset="2"/>
+              </a:rPr>
+              <a:t>biomass</a:t>
+            </a:r>
+            <a:r>
+              <a:rPr lang="fr-CH" dirty="0" smtClean="0">
+                <a:sym typeface="Wingdings" panose="05000000000000000000" pitchFamily="2" charset="2"/>
+              </a:rPr>
+              <a:t> time </a:t>
+            </a:r>
+            <a:r>
+              <a:rPr lang="fr-CH" dirty="0" err="1" smtClean="0">
+                <a:sym typeface="Wingdings" panose="05000000000000000000" pitchFamily="2" charset="2"/>
+              </a:rPr>
+              <a:t>series</a:t>
+            </a:r>
+            <a:r>
+              <a:rPr lang="fr-CH" dirty="0" smtClean="0">
+                <a:sym typeface="Wingdings" panose="05000000000000000000" pitchFamily="2" charset="2"/>
+              </a:rPr>
+              <a:t> look ok and </a:t>
+            </a:r>
+            <a:r>
+              <a:rPr lang="fr-CH" dirty="0" err="1" smtClean="0">
+                <a:sym typeface="Wingdings" panose="05000000000000000000" pitchFamily="2" charset="2"/>
+              </a:rPr>
+              <a:t>continuous</a:t>
+            </a:r>
+            <a:endParaRPr lang="fr-CH" dirty="0" smtClean="0">
+              <a:sym typeface="Wingdings" panose="05000000000000000000" pitchFamily="2" charset="2"/>
+            </a:endParaRPr>
+          </a:p>
+          <a:p>
+            <a:pPr lvl="1"/>
+            <a:endParaRPr lang="en-US" dirty="0"/>
+          </a:p>
+        </p:txBody>
+      </p:sp>
+    </p:spTree>
+    <p:extLst>
+      <p:ext uri="{BB962C8B-B14F-4D97-AF65-F5344CB8AC3E}">
+        <p14:creationId xmlns:p14="http://schemas.microsoft.com/office/powerpoint/2010/main" val="559433279"/>
+      </p:ext>
+    </p:extLst>
+  </p:cSld>
+  <p:clrMapOvr>
+    <a:masterClrMapping/>
+  </p:clrMapOvr>
+</p:sld>
+</file>
+
+<file path=ppt/slides/slide2.xml><?xml version="1.0" encoding="utf-8"?>
+<p:sld xmlns:a="http://schemas.openxmlformats.org/drawingml/2006/main" xmlns:r="http://schemas.openxmlformats.org/officeDocument/2006/relationships" xmlns:p="http://schemas.openxmlformats.org/presentationml/2006/main">
+  <p:cSld>
+    <p:spTree>
+      <p:nvGrpSpPr>
+        <p:cNvPr id="1" name=""/>
+        <p:cNvGrpSpPr/>
+        <p:nvPr/>
+      </p:nvGrpSpPr>
+      <p:grpSpPr>
+        <a:xfrm>
+          <a:off x="0" y="0"/>
+          <a:ext cx="0" cy="0"/>
+          <a:chOff x="0" y="0"/>
+          <a:chExt cx="0" cy="0"/>
+        </a:xfrm>
+      </p:grpSpPr>
+      <p:sp>
+        <p:nvSpPr>
+          <p:cNvPr id="4" name="Title 3"/>
+          <p:cNvSpPr>
+            <a:spLocks noGrp="1"/>
+          </p:cNvSpPr>
+          <p:nvPr>
+            <p:ph type="title"/>
+          </p:nvPr>
+        </p:nvSpPr>
+        <p:spPr/>
+        <p:txBody>
+          <a:bodyPr/>
+          <a:lstStyle/>
+          <a:p>
+            <a:r>
+              <a:rPr lang="fr-CH" dirty="0" smtClean="0"/>
+              <a:t>Sites and taxa </a:t>
+            </a:r>
+            <a:r>
+              <a:rPr lang="fr-CH" dirty="0" err="1" smtClean="0"/>
+              <a:t>with</a:t>
+            </a:r>
+            <a:r>
+              <a:rPr lang="fr-CH" dirty="0" smtClean="0"/>
+              <a:t> </a:t>
+            </a:r>
+            <a:r>
+              <a:rPr lang="fr-CH" dirty="0" err="1" smtClean="0"/>
+              <a:t>problems</a:t>
             </a:r>
             <a:endParaRPr lang="en-US" dirty="0"/>
           </a:p>
@@ -3079,15 +3563,6 @@
               </a:rPr>
               <a:t>SynthPoint2533Ti_Occurrence.Baetisalpinus</a:t>
             </a:r>
-            <a:endParaRPr kumimoji="0" lang="en-US" altLang="en-US" sz="2000" b="0" i="0" u="none" strike="noStrike" cap="none" normalizeH="0" baseline="0" dirty="0" smtClean="0">
-              <a:ln>
-                <a:noFill/>
-              </a:ln>
-              <a:solidFill>
-                <a:schemeClr val="accent2"/>
-              </a:solidFill>
-              <a:effectLst/>
-            </a:endParaRPr>
           </a:p>
           <a:p>
             <a:pPr marL="0" marR="0" lvl="0" indent="0" algn="l" defTabSz="914400" rtl="0" eaLnBrk="0" fontAlgn="base" latinLnBrk="0" hangingPunct="0">
@@ -3326,7 +3801,19 @@
                 </a:solidFill>
                 <a:effectLst/>
               </a:rPr>
-              <a:t> Problem for </a:t>
+              <a:t>Problem </a:t>
+            </a:r>
+            <a:r>
+              <a:rPr kumimoji="0" lang="en-US" altLang="en-US" sz="2000" b="0" i="0" u="none" strike="noStrike" cap="none" normalizeH="0" baseline="0" dirty="0" smtClean="0">
+                <a:ln>
+                  <a:noFill/>
+                </a:ln>
+                <a:solidFill>
+                  <a:srgbClr val="000000"/>
+                </a:solidFill>
+                <a:effectLst/>
+              </a:rPr>
+              <a:t>for </a:t>
             </a:r>
             <a:r>
               <a:rPr kumimoji="0" lang="en-US" altLang="en-US" sz="2000" b="0" i="0" u="none" strike="noStrike" cap="none" normalizeH="0" baseline="0" dirty="0" smtClean="0">
@@ -3614,6 +4101,733 @@
     <p:extLst>
       <p:ext uri="{BB962C8B-B14F-4D97-AF65-F5344CB8AC3E}">
         <p14:creationId xmlns:p14="http://schemas.microsoft.com/office/powerpoint/2010/main" val="1607719762"/>
+      </p:ext>
+    </p:extLst>
+  </p:cSld>
+  <p:clrMapOvr>
+    <a:masterClrMapping/>
+  </p:clrMapOvr>
+</p:sld>
+</file>
+
+<file path=ppt/slides/slide3.xml><?xml version="1.0" encoding="utf-8"?>
+<p:sld xmlns:a="http://schemas.openxmlformats.org/drawingml/2006/main" xmlns:r="http://schemas.openxmlformats.org/officeDocument/2006/relationships" xmlns:p="http://schemas.openxmlformats.org/presentationml/2006/main">
+  <p:cSld>
+    <p:spTree>
+      <p:nvGrpSpPr>
+        <p:cNvPr id="1" name=""/>
+        <p:cNvGrpSpPr/>
+        <p:nvPr/>
+      </p:nvGrpSpPr>
+      <p:grpSpPr>
+        <a:xfrm>
+          <a:off x="0" y="0"/>
+          <a:ext cx="0" cy="0"/>
+          <a:chOff x="0" y="0"/>
+          <a:chExt cx="0" cy="0"/>
+        </a:xfrm>
+      </p:grpSpPr>
+      <p:sp>
+        <p:nvSpPr>
+          <p:cNvPr id="2" name="Title 1"/>
+          <p:cNvSpPr>
+            <a:spLocks noGrp="1"/>
+          </p:cNvSpPr>
+          <p:nvPr>
+            <p:ph type="title"/>
+          </p:nvPr>
+        </p:nvSpPr>
+        <p:spPr/>
+        <p:txBody>
+          <a:bodyPr/>
+          <a:lstStyle/>
+          <a:p>
+            <a:r>
+              <a:rPr lang="fr-CH" dirty="0" err="1" smtClean="0"/>
+              <a:t>Hypothesis</a:t>
+            </a:r>
+            <a:endParaRPr lang="en-US" dirty="0"/>
+          </a:p>
+        </p:txBody>
+      </p:sp>
+      <p:sp>
+        <p:nvSpPr>
+          <p:cNvPr id="3" name="Content Placeholder 2"/>
+          <p:cNvSpPr>
+            <a:spLocks noGrp="1"/>
+          </p:cNvSpPr>
+          <p:nvPr>
+            <p:ph idx="1"/>
+          </p:nvPr>
+        </p:nvSpPr>
+        <p:spPr/>
+        <p:txBody>
+          <a:bodyPr>
+            <a:normAutofit fontScale="85000" lnSpcReduction="20000"/>
+          </a:bodyPr>
+          <a:lstStyle/>
+          <a:p>
+            <a:r>
+              <a:rPr lang="fr-CH" dirty="0" err="1" smtClean="0"/>
+              <a:t>Some</a:t>
+            </a:r>
+            <a:r>
+              <a:rPr lang="fr-CH" dirty="0" smtClean="0"/>
+              <a:t> taxa </a:t>
+            </a:r>
+            <a:r>
+              <a:rPr lang="fr-CH" dirty="0" err="1" smtClean="0"/>
+              <a:t>that</a:t>
+            </a:r>
+            <a:r>
+              <a:rPr lang="fr-CH" dirty="0" smtClean="0"/>
+              <a:t> are on top of the </a:t>
+            </a:r>
+            <a:r>
+              <a:rPr lang="fr-CH" dirty="0" err="1" smtClean="0"/>
+              <a:t>food</a:t>
+            </a:r>
+            <a:r>
+              <a:rPr lang="fr-CH" dirty="0" smtClean="0"/>
+              <a:t> </a:t>
+            </a:r>
+            <a:r>
+              <a:rPr lang="fr-CH" dirty="0" err="1" smtClean="0"/>
+              <a:t>chain</a:t>
+            </a:r>
+            <a:r>
+              <a:rPr lang="fr-CH" dirty="0" smtClean="0"/>
+              <a:t> have </a:t>
+            </a:r>
+            <a:r>
+              <a:rPr lang="fr-CH" b="1" dirty="0" err="1" smtClean="0"/>
+              <a:t>irregular</a:t>
+            </a:r>
+            <a:r>
+              <a:rPr lang="fr-CH" b="1" dirty="0" smtClean="0"/>
+              <a:t> </a:t>
+            </a:r>
+            <a:r>
+              <a:rPr lang="fr-CH" b="1" dirty="0" err="1" smtClean="0"/>
+              <a:t>temperature</a:t>
+            </a:r>
+            <a:r>
+              <a:rPr lang="fr-CH" b="1" dirty="0" smtClean="0"/>
+              <a:t> </a:t>
+            </a:r>
+            <a:r>
+              <a:rPr lang="fr-CH" b="1" dirty="0" err="1" smtClean="0"/>
+              <a:t>preference</a:t>
+            </a:r>
+            <a:r>
+              <a:rPr lang="fr-CH" dirty="0" smtClean="0"/>
+              <a:t>, </a:t>
+            </a:r>
+            <a:r>
+              <a:rPr lang="fr-CH" dirty="0" err="1" smtClean="0"/>
+              <a:t>which</a:t>
+            </a:r>
+            <a:r>
+              <a:rPr lang="fr-CH" dirty="0" smtClean="0"/>
+              <a:t> </a:t>
+            </a:r>
+            <a:r>
+              <a:rPr lang="fr-CH" dirty="0" err="1" smtClean="0"/>
+              <a:t>seems</a:t>
+            </a:r>
+            <a:r>
+              <a:rPr lang="fr-CH" dirty="0" smtClean="0"/>
+              <a:t> to </a:t>
+            </a:r>
+            <a:r>
+              <a:rPr lang="fr-CH" dirty="0" err="1" smtClean="0"/>
+              <a:t>enforce</a:t>
+            </a:r>
+            <a:r>
+              <a:rPr lang="fr-CH" dirty="0" smtClean="0"/>
+              <a:t> </a:t>
+            </a:r>
+            <a:r>
+              <a:rPr lang="fr-CH" dirty="0" err="1" smtClean="0"/>
+              <a:t>weird</a:t>
+            </a:r>
+            <a:r>
+              <a:rPr lang="fr-CH" dirty="0" smtClean="0"/>
+              <a:t> </a:t>
+            </a:r>
+            <a:r>
+              <a:rPr lang="fr-CH" dirty="0" err="1" smtClean="0"/>
+              <a:t>response</a:t>
+            </a:r>
+            <a:r>
+              <a:rPr lang="fr-CH" dirty="0" smtClean="0"/>
+              <a:t> </a:t>
+            </a:r>
+            <a:r>
+              <a:rPr lang="fr-CH" dirty="0" err="1" smtClean="0"/>
+              <a:t>shape</a:t>
+            </a:r>
+            <a:r>
+              <a:rPr lang="fr-CH" dirty="0" smtClean="0"/>
+              <a:t> to </a:t>
+            </a:r>
+            <a:r>
+              <a:rPr lang="fr-CH" dirty="0" err="1" smtClean="0"/>
+              <a:t>other</a:t>
+            </a:r>
+            <a:r>
+              <a:rPr lang="fr-CH" dirty="0" smtClean="0"/>
+              <a:t> taxa</a:t>
+            </a:r>
+            <a:endParaRPr lang="en-US" dirty="0" smtClean="0"/>
+          </a:p>
+          <a:p>
+            <a:pPr lvl="1"/>
+            <a:r>
+              <a:rPr lang="en-US" dirty="0" err="1" smtClean="0">
+                <a:solidFill>
+                  <a:schemeClr val="accent6"/>
+                </a:solidFill>
+              </a:rPr>
+              <a:t>Drususbiguttatus</a:t>
+            </a:r>
+            <a:endParaRPr lang="en-US" dirty="0" smtClean="0">
+              <a:solidFill>
+                <a:schemeClr val="accent6"/>
+              </a:solidFill>
+            </a:endParaRPr>
+          </a:p>
+          <a:p>
+            <a:pPr lvl="1"/>
+            <a:r>
+              <a:rPr lang="en-US" dirty="0" err="1" smtClean="0">
+                <a:solidFill>
+                  <a:schemeClr val="accent6"/>
+                </a:solidFill>
+              </a:rPr>
+              <a:t>Chironomidae</a:t>
+            </a:r>
+            <a:endParaRPr lang="en-US" dirty="0" smtClean="0">
+              <a:solidFill>
+                <a:schemeClr val="accent6"/>
+              </a:solidFill>
+            </a:endParaRPr>
+          </a:p>
+          <a:p>
+            <a:pPr lvl="1"/>
+            <a:r>
+              <a:rPr lang="en-US" dirty="0" err="1" smtClean="0">
+                <a:solidFill>
+                  <a:schemeClr val="accent6"/>
+                </a:solidFill>
+              </a:rPr>
+              <a:t>Drususdiscolor</a:t>
+            </a:r>
+            <a:endParaRPr lang="en-US" dirty="0" smtClean="0">
+              <a:solidFill>
+                <a:schemeClr val="accent6"/>
+              </a:solidFill>
+            </a:endParaRPr>
+          </a:p>
+          <a:p>
+            <a:pPr lvl="1"/>
+            <a:r>
+              <a:rPr lang="en-US" dirty="0" err="1" smtClean="0">
+                <a:solidFill>
+                  <a:schemeClr val="accent6"/>
+                </a:solidFill>
+              </a:rPr>
+              <a:t>Cryptothrixnebulicola</a:t>
+            </a:r>
+            <a:endParaRPr lang="en-US" dirty="0" smtClean="0">
+              <a:solidFill>
+                <a:schemeClr val="accent6"/>
+              </a:solidFill>
+            </a:endParaRPr>
+          </a:p>
+          <a:p>
+            <a:pPr lvl="1"/>
+            <a:r>
+              <a:rPr lang="en-US" dirty="0" err="1" smtClean="0">
+                <a:solidFill>
+                  <a:schemeClr val="accent6"/>
+                </a:solidFill>
+              </a:rPr>
+              <a:t>Baetislutheri</a:t>
+            </a:r>
+            <a:endParaRPr lang="en-US" dirty="0" smtClean="0">
+              <a:solidFill>
+                <a:schemeClr val="accent6"/>
+              </a:solidFill>
+            </a:endParaRPr>
+          </a:p>
+          <a:p>
+            <a:pPr lvl="1"/>
+            <a:r>
+              <a:rPr lang="en-US" dirty="0" err="1" smtClean="0">
+                <a:solidFill>
+                  <a:schemeClr val="accent6"/>
+                </a:solidFill>
+              </a:rPr>
+              <a:t>Drususmelanchaetes</a:t>
+            </a:r>
+            <a:endParaRPr lang="en-US" dirty="0" smtClean="0">
+              <a:solidFill>
+                <a:schemeClr val="accent6"/>
+              </a:solidFill>
+            </a:endParaRPr>
+          </a:p>
+          <a:p>
+            <a:pPr lvl="1"/>
+            <a:r>
+              <a:rPr lang="en-US" dirty="0" err="1" smtClean="0"/>
+              <a:t>Drususmuelleri</a:t>
+            </a:r>
+            <a:endParaRPr lang="en-US" dirty="0" smtClean="0"/>
+          </a:p>
+          <a:p>
+            <a:pPr lvl="1"/>
+            <a:r>
+              <a:rPr lang="en-US" dirty="0" err="1" smtClean="0"/>
+              <a:t>Drususnigrescens</a:t>
+            </a:r>
+            <a:endParaRPr lang="en-US" dirty="0" smtClean="0"/>
+          </a:p>
+          <a:p>
+            <a:pPr lvl="1"/>
+            <a:r>
+              <a:rPr lang="en-US" dirty="0" err="1"/>
+              <a:t>Drususmonticola</a:t>
+            </a:r>
+            <a:endParaRPr lang="fr-CH" dirty="0" smtClean="0">
+              <a:solidFill>
+                <a:srgbClr val="FF0000"/>
+              </a:solidFill>
+            </a:endParaRPr>
+          </a:p>
+          <a:p>
+            <a:pPr lvl="1"/>
+            <a:r>
+              <a:rPr lang="en-US" dirty="0" err="1" smtClean="0"/>
+              <a:t>Drususalpinus</a:t>
+            </a:r>
+            <a:endParaRPr lang="en-US" dirty="0" smtClean="0"/>
+          </a:p>
+          <a:p>
+            <a:pPr lvl="1"/>
+            <a:r>
+              <a:rPr lang="en-US" dirty="0" err="1" smtClean="0"/>
+              <a:t>Protonemuraauberti</a:t>
+            </a:r>
+            <a:endParaRPr lang="en-US" dirty="0" smtClean="0"/>
+          </a:p>
+          <a:p>
+            <a:pPr lvl="1"/>
+            <a:r>
+              <a:rPr lang="en-US" dirty="0" err="1"/>
+              <a:t>Isoperlacarbonaria</a:t>
+            </a:r>
+            <a:endParaRPr lang="en-US" dirty="0"/>
+          </a:p>
+        </p:txBody>
+      </p:sp>
+    </p:spTree>
+    <p:extLst>
+      <p:ext uri="{BB962C8B-B14F-4D97-AF65-F5344CB8AC3E}">
+        <p14:creationId xmlns:p14="http://schemas.microsoft.com/office/powerpoint/2010/main" val="632695985"/>
+      </p:ext>
+    </p:extLst>
+  </p:cSld>
+  <p:clrMapOvr>
+    <a:masterClrMapping/>
+  </p:clrMapOvr>
+</p:sld>
+</file>
+
+<file path=ppt/slides/slide4.xml><?xml version="1.0" encoding="utf-8"?>
+<p:sld xmlns:a="http://schemas.openxmlformats.org/drawingml/2006/main" xmlns:r="http://schemas.openxmlformats.org/officeDocument/2006/relationships" xmlns:p="http://schemas.openxmlformats.org/presentationml/2006/main">
+  <p:cSld>
+    <p:spTree>
+      <p:nvGrpSpPr>
+        <p:cNvPr id="1" name=""/>
+        <p:cNvGrpSpPr/>
+        <p:nvPr/>
+      </p:nvGrpSpPr>
+      <p:grpSpPr>
+        <a:xfrm>
+          <a:off x="0" y="0"/>
+          <a:ext cx="0" cy="0"/>
+          <a:chOff x="0" y="0"/>
+          <a:chExt cx="0" cy="0"/>
+        </a:xfrm>
+      </p:grpSpPr>
+      <p:sp>
+        <p:nvSpPr>
+          <p:cNvPr id="2" name="Title 1"/>
+          <p:cNvSpPr>
+            <a:spLocks noGrp="1"/>
+          </p:cNvSpPr>
+          <p:nvPr>
+            <p:ph type="title"/>
+          </p:nvPr>
+        </p:nvSpPr>
+        <p:spPr/>
+        <p:txBody>
+          <a:bodyPr/>
+          <a:lstStyle/>
+          <a:p>
+            <a:r>
+              <a:rPr lang="fr-CH" dirty="0" err="1" smtClean="0"/>
+              <a:t>Hypothesis</a:t>
+            </a:r>
+            <a:endParaRPr lang="en-US" dirty="0"/>
+          </a:p>
+        </p:txBody>
+      </p:sp>
+      <p:sp>
+        <p:nvSpPr>
+          <p:cNvPr id="3" name="Content Placeholder 2"/>
+          <p:cNvSpPr>
+            <a:spLocks noGrp="1"/>
+          </p:cNvSpPr>
+          <p:nvPr>
+            <p:ph idx="1"/>
+          </p:nvPr>
+        </p:nvSpPr>
+        <p:spPr/>
+        <p:txBody>
+          <a:bodyPr/>
+          <a:lstStyle/>
+          <a:p>
+            <a:r>
+              <a:rPr lang="fr-CH" dirty="0" err="1" smtClean="0"/>
+              <a:t>Some</a:t>
+            </a:r>
+            <a:r>
+              <a:rPr lang="fr-CH" dirty="0" smtClean="0"/>
+              <a:t> taxa </a:t>
+            </a:r>
+            <a:r>
+              <a:rPr lang="fr-CH" dirty="0" err="1" smtClean="0"/>
+              <a:t>higher</a:t>
+            </a:r>
+            <a:r>
+              <a:rPr lang="fr-CH" dirty="0" smtClean="0"/>
+              <a:t> in the </a:t>
+            </a:r>
+            <a:r>
+              <a:rPr lang="fr-CH" dirty="0" err="1" smtClean="0"/>
+              <a:t>food</a:t>
+            </a:r>
+            <a:r>
+              <a:rPr lang="fr-CH" dirty="0" smtClean="0"/>
+              <a:t> web have a </a:t>
+            </a:r>
+            <a:r>
+              <a:rPr lang="fr-CH" b="1" dirty="0" err="1" smtClean="0"/>
+              <a:t>peak</a:t>
+            </a:r>
+            <a:r>
+              <a:rPr lang="fr-CH" b="1" dirty="0" smtClean="0"/>
+              <a:t> of </a:t>
+            </a:r>
+            <a:r>
+              <a:rPr lang="fr-CH" b="1" dirty="0" err="1" smtClean="0"/>
+              <a:t>abundance</a:t>
+            </a:r>
+            <a:r>
+              <a:rPr lang="fr-CH" b="1" dirty="0" smtClean="0"/>
+              <a:t> </a:t>
+            </a:r>
+            <a:r>
+              <a:rPr lang="fr-CH" dirty="0" smtClean="0"/>
+              <a:t>and </a:t>
+            </a:r>
+            <a:r>
+              <a:rPr lang="fr-CH" dirty="0" err="1" smtClean="0"/>
+              <a:t>it</a:t>
+            </a:r>
+            <a:r>
+              <a:rPr lang="fr-CH" dirty="0" smtClean="0"/>
+              <a:t> </a:t>
+            </a:r>
+            <a:r>
+              <a:rPr lang="fr-CH" dirty="0" err="1" smtClean="0"/>
+              <a:t>makes</a:t>
+            </a:r>
+            <a:r>
+              <a:rPr lang="fr-CH" dirty="0" smtClean="0"/>
+              <a:t> an </a:t>
+            </a:r>
+            <a:r>
+              <a:rPr lang="fr-CH" dirty="0" err="1" smtClean="0"/>
+              <a:t>irregular</a:t>
+            </a:r>
+            <a:r>
+              <a:rPr lang="fr-CH" dirty="0" smtClean="0"/>
+              <a:t> </a:t>
+            </a:r>
+            <a:r>
+              <a:rPr lang="fr-CH" dirty="0" err="1" smtClean="0"/>
+              <a:t>shape</a:t>
+            </a:r>
+            <a:r>
+              <a:rPr lang="fr-CH" dirty="0" smtClean="0"/>
+              <a:t> in </a:t>
+            </a:r>
+            <a:r>
+              <a:rPr lang="fr-CH" dirty="0" err="1" smtClean="0"/>
+              <a:t>other</a:t>
+            </a:r>
+            <a:r>
+              <a:rPr lang="fr-CH" dirty="0" smtClean="0"/>
+              <a:t> taxa</a:t>
+            </a:r>
+          </a:p>
+          <a:p>
+            <a:pPr lvl="1"/>
+            <a:r>
+              <a:rPr lang="en-US" dirty="0" err="1" smtClean="0"/>
+              <a:t>Chloroperlasusemicheli</a:t>
+            </a:r>
+            <a:r>
+              <a:rPr lang="en-US" dirty="0" smtClean="0"/>
+              <a:t> </a:t>
+            </a:r>
+            <a:r>
+              <a:rPr lang="en-US" dirty="0" smtClean="0">
+                <a:sym typeface="Wingdings" panose="05000000000000000000" pitchFamily="2" charset="2"/>
+              </a:rPr>
+              <a:t> tried to put </a:t>
+            </a:r>
+            <a:r>
+              <a:rPr lang="en-US" dirty="0" err="1" smtClean="0">
+                <a:sym typeface="Wingdings" panose="05000000000000000000" pitchFamily="2" charset="2"/>
+              </a:rPr>
+              <a:t>pref</a:t>
+            </a:r>
+            <a:r>
+              <a:rPr lang="en-US" dirty="0" smtClean="0">
+                <a:sym typeface="Wingdings" panose="05000000000000000000" pitchFamily="2" charset="2"/>
+              </a:rPr>
+              <a:t> to temp 0</a:t>
+            </a:r>
+            <a:endParaRPr lang="en-US" dirty="0"/>
+          </a:p>
+        </p:txBody>
+      </p:sp>
+    </p:spTree>
+    <p:extLst>
+      <p:ext uri="{BB962C8B-B14F-4D97-AF65-F5344CB8AC3E}">
+        <p14:creationId xmlns:p14="http://schemas.microsoft.com/office/powerpoint/2010/main" val="2380066334"/>
+      </p:ext>
+    </p:extLst>
+  </p:cSld>
+  <p:clrMapOvr>
+    <a:masterClrMapping/>
+  </p:clrMapOvr>
+</p:sld>
+</file>
+
+<file path=ppt/slides/slide5.xml><?xml version="1.0" encoding="utf-8"?>
+<p:sld xmlns:a="http://schemas.openxmlformats.org/drawingml/2006/main" xmlns:r="http://schemas.openxmlformats.org/officeDocument/2006/relationships" xmlns:p="http://schemas.openxmlformats.org/presentationml/2006/main">
+  <p:cSld>
+    <p:spTree>
+      <p:nvGrpSpPr>
+        <p:cNvPr id="1" name=""/>
+        <p:cNvGrpSpPr/>
+        <p:nvPr/>
+      </p:nvGrpSpPr>
+      <p:grpSpPr>
+        <a:xfrm>
+          <a:off x="0" y="0"/>
+          <a:ext cx="0" cy="0"/>
+          <a:chOff x="0" y="0"/>
+          <a:chExt cx="0" cy="0"/>
+        </a:xfrm>
+      </p:grpSpPr>
+      <p:sp>
+        <p:nvSpPr>
+          <p:cNvPr id="2" name="Title 1"/>
+          <p:cNvSpPr>
+            <a:spLocks noGrp="1"/>
+          </p:cNvSpPr>
+          <p:nvPr>
+            <p:ph type="title"/>
+          </p:nvPr>
+        </p:nvSpPr>
+        <p:spPr/>
+        <p:txBody>
+          <a:bodyPr/>
+          <a:lstStyle/>
+          <a:p>
+            <a:r>
+              <a:rPr lang="fr-CH" dirty="0" err="1" smtClean="0"/>
+              <a:t>Problem</a:t>
+            </a:r>
+            <a:endParaRPr lang="en-US" dirty="0"/>
+          </a:p>
+        </p:txBody>
+      </p:sp>
+      <p:sp>
+        <p:nvSpPr>
+          <p:cNvPr id="3" name="Content Placeholder 2"/>
+          <p:cNvSpPr>
+            <a:spLocks noGrp="1"/>
+          </p:cNvSpPr>
+          <p:nvPr>
+            <p:ph idx="1"/>
+          </p:nvPr>
+        </p:nvSpPr>
+        <p:spPr/>
+        <p:txBody>
+          <a:bodyPr/>
+          <a:lstStyle/>
+          <a:p>
+            <a:r>
+              <a:rPr lang="fr-CH" dirty="0" err="1" smtClean="0"/>
+              <a:t>Some</a:t>
+            </a:r>
+            <a:r>
+              <a:rPr lang="fr-CH" dirty="0" smtClean="0"/>
+              <a:t> taxa and sites </a:t>
+            </a:r>
+            <a:r>
+              <a:rPr lang="fr-CH" dirty="0" err="1" smtClean="0"/>
+              <a:t>didn’t</a:t>
+            </a:r>
+            <a:r>
+              <a:rPr lang="fr-CH" dirty="0" smtClean="0"/>
+              <a:t> </a:t>
+            </a:r>
+            <a:r>
+              <a:rPr lang="fr-CH" dirty="0" err="1" smtClean="0"/>
+              <a:t>reach</a:t>
+            </a:r>
+            <a:r>
+              <a:rPr lang="fr-CH" dirty="0" smtClean="0"/>
+              <a:t> </a:t>
+            </a:r>
+            <a:r>
+              <a:rPr lang="fr-CH" dirty="0" err="1" smtClean="0"/>
+              <a:t>equilibrium</a:t>
+            </a:r>
+            <a:endParaRPr lang="fr-CH" dirty="0" smtClean="0"/>
+          </a:p>
+          <a:p>
+            <a:pPr lvl="1"/>
+            <a:r>
+              <a:rPr lang="fr-CH" dirty="0" err="1" smtClean="0"/>
+              <a:t>Adapt</a:t>
+            </a:r>
+            <a:r>
+              <a:rPr lang="fr-CH" dirty="0" smtClean="0"/>
+              <a:t> warning, and </a:t>
+            </a:r>
+            <a:r>
+              <a:rPr lang="fr-CH" dirty="0" err="1" smtClean="0"/>
+              <a:t>run</a:t>
+            </a:r>
+            <a:r>
+              <a:rPr lang="fr-CH" dirty="0" smtClean="0"/>
+              <a:t> for longer </a:t>
+            </a:r>
+            <a:r>
+              <a:rPr lang="fr-CH" dirty="0" err="1" smtClean="0"/>
+              <a:t>years</a:t>
+            </a:r>
+            <a:endParaRPr lang="fr-CH" dirty="0" smtClean="0"/>
+          </a:p>
+          <a:p>
+            <a:pPr lvl="1"/>
+            <a:r>
+              <a:rPr lang="fr-CH" dirty="0" err="1" smtClean="0"/>
+              <a:t>We</a:t>
+            </a:r>
+            <a:r>
+              <a:rPr lang="fr-CH" dirty="0" smtClean="0"/>
+              <a:t> </a:t>
+            </a:r>
+            <a:r>
+              <a:rPr lang="fr-CH" dirty="0" err="1" smtClean="0"/>
+              <a:t>see</a:t>
+            </a:r>
+            <a:r>
+              <a:rPr lang="fr-CH" dirty="0" smtClean="0"/>
+              <a:t> </a:t>
+            </a:r>
+            <a:r>
+              <a:rPr lang="fr-CH" dirty="0" err="1" smtClean="0"/>
+              <a:t>that</a:t>
+            </a:r>
+            <a:r>
+              <a:rPr lang="fr-CH" dirty="0" smtClean="0"/>
+              <a:t> for </a:t>
+            </a:r>
+            <a:r>
+              <a:rPr lang="fr-CH" dirty="0" err="1" smtClean="0"/>
+              <a:t>some</a:t>
+            </a:r>
+            <a:r>
+              <a:rPr lang="fr-CH" dirty="0" smtClean="0"/>
+              <a:t> taxa </a:t>
+            </a:r>
+            <a:r>
+              <a:rPr lang="fr-CH" dirty="0" err="1" smtClean="0"/>
+              <a:t>it</a:t>
+            </a:r>
+            <a:r>
+              <a:rPr lang="fr-CH" dirty="0" smtClean="0"/>
+              <a:t> </a:t>
+            </a:r>
+            <a:r>
+              <a:rPr lang="fr-CH" dirty="0" err="1" smtClean="0"/>
+              <a:t>might</a:t>
+            </a:r>
+            <a:r>
+              <a:rPr lang="fr-CH" dirty="0" smtClean="0"/>
+              <a:t> </a:t>
+            </a:r>
+            <a:r>
+              <a:rPr lang="fr-CH" dirty="0" err="1" smtClean="0"/>
+              <a:t>even</a:t>
+            </a:r>
+            <a:r>
+              <a:rPr lang="fr-CH" dirty="0" smtClean="0"/>
+              <a:t> </a:t>
+            </a:r>
+            <a:r>
+              <a:rPr lang="fr-CH" dirty="0" err="1" smtClean="0"/>
+              <a:t>take</a:t>
+            </a:r>
+            <a:r>
+              <a:rPr lang="fr-CH" dirty="0" smtClean="0"/>
+              <a:t> </a:t>
+            </a:r>
+            <a:r>
+              <a:rPr lang="fr-CH" dirty="0" err="1" smtClean="0"/>
+              <a:t>between</a:t>
+            </a:r>
+            <a:r>
+              <a:rPr lang="fr-CH" dirty="0" smtClean="0"/>
+              <a:t> 25 and 50 </a:t>
+            </a:r>
+            <a:r>
+              <a:rPr lang="fr-CH" dirty="0" err="1" smtClean="0"/>
+              <a:t>years</a:t>
+            </a:r>
+            <a:endParaRPr lang="fr-CH" dirty="0" smtClean="0"/>
+          </a:p>
+          <a:p>
+            <a:pPr lvl="1"/>
+            <a:endParaRPr lang="en-US" dirty="0"/>
+          </a:p>
+        </p:txBody>
+      </p:sp>
+    </p:spTree>
+    <p:extLst>
+      <p:ext uri="{BB962C8B-B14F-4D97-AF65-F5344CB8AC3E}">
+        <p14:creationId xmlns:p14="http://schemas.microsoft.com/office/powerpoint/2010/main" val="2776553587"/>
       </p:ext>
     </p:extLst>
   </p:cSld>

--- a/C1_documentation/problems_ice.pptx
+++ b/C1_documentation/problems_ice.pptx
@@ -10,6 +10,11 @@
     <p:sldId id="257" r:id="rId4"/>
     <p:sldId id="258" r:id="rId5"/>
     <p:sldId id="260" r:id="rId6"/>
+    <p:sldId id="261" r:id="rId7"/>
+    <p:sldId id="263" r:id="rId8"/>
+    <p:sldId id="264" r:id="rId9"/>
+    <p:sldId id="265" r:id="rId10"/>
+    <p:sldId id="262" r:id="rId11"/>
   </p:sldIdLst>
   <p:sldSz cx="12192000" cy="6858000"/>
   <p:notesSz cx="6858000" cy="9144000"/>
@@ -247,7 +252,7 @@
           <a:p>
             <a:fld id="{A3DFD1C4-66D6-4B95-91DF-B66FF7618C52}" type="datetimeFigureOut">
               <a:rPr lang="en-US" smtClean="0"/>
-              <a:t>6/3/2024</a:t>
+              <a:t>6/19/2024</a:t>
             </a:fld>
             <a:endParaRPr lang="en-US"/>
           </a:p>
@@ -417,7 +422,7 @@
           <a:p>
             <a:fld id="{A3DFD1C4-66D6-4B95-91DF-B66FF7618C52}" type="datetimeFigureOut">
               <a:rPr lang="en-US" smtClean="0"/>
-              <a:t>6/3/2024</a:t>
+              <a:t>6/19/2024</a:t>
             </a:fld>
             <a:endParaRPr lang="en-US"/>
           </a:p>
@@ -597,7 +602,7 @@
           <a:p>
             <a:fld id="{A3DFD1C4-66D6-4B95-91DF-B66FF7618C52}" type="datetimeFigureOut">
               <a:rPr lang="en-US" smtClean="0"/>
-              <a:t>6/3/2024</a:t>
+              <a:t>6/19/2024</a:t>
             </a:fld>
             <a:endParaRPr lang="en-US"/>
           </a:p>
@@ -767,7 +772,7 @@
           <a:p>
             <a:fld id="{A3DFD1C4-66D6-4B95-91DF-B66FF7618C52}" type="datetimeFigureOut">
               <a:rPr lang="en-US" smtClean="0"/>
-              <a:t>6/3/2024</a:t>
+              <a:t>6/19/2024</a:t>
             </a:fld>
             <a:endParaRPr lang="en-US"/>
           </a:p>
@@ -1013,7 +1018,7 @@
           <a:p>
             <a:fld id="{A3DFD1C4-66D6-4B95-91DF-B66FF7618C52}" type="datetimeFigureOut">
               <a:rPr lang="en-US" smtClean="0"/>
-              <a:t>6/3/2024</a:t>
+              <a:t>6/19/2024</a:t>
             </a:fld>
             <a:endParaRPr lang="en-US"/>
           </a:p>
@@ -1245,7 +1250,7 @@
           <a:p>
             <a:fld id="{A3DFD1C4-66D6-4B95-91DF-B66FF7618C52}" type="datetimeFigureOut">
               <a:rPr lang="en-US" smtClean="0"/>
-              <a:t>6/3/2024</a:t>
+              <a:t>6/19/2024</a:t>
             </a:fld>
             <a:endParaRPr lang="en-US"/>
           </a:p>
@@ -1612,7 +1617,7 @@
           <a:p>
             <a:fld id="{A3DFD1C4-66D6-4B95-91DF-B66FF7618C52}" type="datetimeFigureOut">
               <a:rPr lang="en-US" smtClean="0"/>
-              <a:t>6/3/2024</a:t>
+              <a:t>6/19/2024</a:t>
             </a:fld>
             <a:endParaRPr lang="en-US"/>
           </a:p>
@@ -1730,7 +1735,7 @@
           <a:p>
             <a:fld id="{A3DFD1C4-66D6-4B95-91DF-B66FF7618C52}" type="datetimeFigureOut">
               <a:rPr lang="en-US" smtClean="0"/>
-              <a:t>6/3/2024</a:t>
+              <a:t>6/19/2024</a:t>
             </a:fld>
             <a:endParaRPr lang="en-US"/>
           </a:p>
@@ -1825,7 +1830,7 @@
           <a:p>
             <a:fld id="{A3DFD1C4-66D6-4B95-91DF-B66FF7618C52}" type="datetimeFigureOut">
               <a:rPr lang="en-US" smtClean="0"/>
-              <a:t>6/3/2024</a:t>
+              <a:t>6/19/2024</a:t>
             </a:fld>
             <a:endParaRPr lang="en-US"/>
           </a:p>
@@ -2102,7 +2107,7 @@
           <a:p>
             <a:fld id="{A3DFD1C4-66D6-4B95-91DF-B66FF7618C52}" type="datetimeFigureOut">
               <a:rPr lang="en-US" smtClean="0"/>
-              <a:t>6/3/2024</a:t>
+              <a:t>6/19/2024</a:t>
             </a:fld>
             <a:endParaRPr lang="en-US"/>
           </a:p>
@@ -2355,7 +2360,7 @@
           <a:p>
             <a:fld id="{A3DFD1C4-66D6-4B95-91DF-B66FF7618C52}" type="datetimeFigureOut">
               <a:rPr lang="en-US" smtClean="0"/>
-              <a:t>6/3/2024</a:t>
+              <a:t>6/19/2024</a:t>
             </a:fld>
             <a:endParaRPr lang="en-US"/>
           </a:p>
@@ -2568,7 +2573,7 @@
           <a:p>
             <a:fld id="{A3DFD1C4-66D6-4B95-91DF-B66FF7618C52}" type="datetimeFigureOut">
               <a:rPr lang="en-US" smtClean="0"/>
-              <a:t>6/3/2024</a:t>
+              <a:t>6/19/2024</a:t>
             </a:fld>
             <a:endParaRPr lang="en-US"/>
           </a:p>
@@ -3419,6 +3424,204 @@
 </p:sld>
 </file>
 
+<file path=ppt/slides/slide10.xml><?xml version="1.0" encoding="utf-8"?>
+<p:sld xmlns:a="http://schemas.openxmlformats.org/drawingml/2006/main" xmlns:r="http://schemas.openxmlformats.org/officeDocument/2006/relationships" xmlns:p="http://schemas.openxmlformats.org/presentationml/2006/main">
+  <p:cSld>
+    <p:spTree>
+      <p:nvGrpSpPr>
+        <p:cNvPr id="1" name=""/>
+        <p:cNvGrpSpPr/>
+        <p:nvPr/>
+      </p:nvGrpSpPr>
+      <p:grpSpPr>
+        <a:xfrm>
+          <a:off x="0" y="0"/>
+          <a:ext cx="0" cy="0"/>
+          <a:chOff x="0" y="0"/>
+          <a:chExt cx="0" cy="0"/>
+        </a:xfrm>
+      </p:grpSpPr>
+      <p:sp>
+        <p:nvSpPr>
+          <p:cNvPr id="2" name="Title 1"/>
+          <p:cNvSpPr>
+            <a:spLocks noGrp="1"/>
+          </p:cNvSpPr>
+          <p:nvPr>
+            <p:ph type="title"/>
+          </p:nvPr>
+        </p:nvSpPr>
+        <p:spPr/>
+        <p:txBody>
+          <a:bodyPr/>
+          <a:lstStyle/>
+          <a:p>
+            <a:r>
+              <a:rPr lang="fr-CH" dirty="0" smtClean="0"/>
+              <a:t>Simulation time</a:t>
+            </a:r>
+            <a:endParaRPr lang="en-US" dirty="0"/>
+          </a:p>
+        </p:txBody>
+      </p:sp>
+      <p:sp>
+        <p:nvSpPr>
+          <p:cNvPr id="3" name="Content Placeholder 2"/>
+          <p:cNvSpPr>
+            <a:spLocks noGrp="1"/>
+          </p:cNvSpPr>
+          <p:nvPr>
+            <p:ph idx="1"/>
+          </p:nvPr>
+        </p:nvSpPr>
+        <p:spPr/>
+        <p:txBody>
+          <a:bodyPr/>
+          <a:lstStyle/>
+          <a:p>
+            <a:r>
+              <a:rPr lang="fr-CH" dirty="0" smtClean="0"/>
+              <a:t>1 site, 50 </a:t>
+            </a:r>
+            <a:r>
+              <a:rPr lang="fr-CH" dirty="0" err="1" smtClean="0"/>
+              <a:t>years</a:t>
+            </a:r>
+            <a:r>
+              <a:rPr lang="fr-CH" dirty="0" smtClean="0"/>
+              <a:t>, ½ </a:t>
+            </a:r>
+            <a:r>
+              <a:rPr lang="fr-CH" dirty="0" err="1" smtClean="0"/>
+              <a:t>day</a:t>
+            </a:r>
+            <a:r>
+              <a:rPr lang="fr-CH" dirty="0" smtClean="0"/>
+              <a:t> </a:t>
+            </a:r>
+            <a:r>
+              <a:rPr lang="fr-CH" dirty="0" err="1" smtClean="0"/>
+              <a:t>timestep</a:t>
+            </a:r>
+            <a:r>
+              <a:rPr lang="fr-CH" dirty="0" smtClean="0"/>
+              <a:t> </a:t>
+            </a:r>
+            <a:r>
+              <a:rPr lang="fr-CH" dirty="0" smtClean="0">
+                <a:sym typeface="Wingdings" panose="05000000000000000000" pitchFamily="2" charset="2"/>
+              </a:rPr>
+              <a:t> 1 min</a:t>
+            </a:r>
+          </a:p>
+          <a:p>
+            <a:r>
+              <a:rPr lang="fr-CH" dirty="0" smtClean="0">
+                <a:sym typeface="Wingdings" panose="05000000000000000000" pitchFamily="2" charset="2"/>
+              </a:rPr>
+              <a:t>1 site, 50 </a:t>
+            </a:r>
+            <a:r>
+              <a:rPr lang="fr-CH" dirty="0" err="1" smtClean="0">
+                <a:sym typeface="Wingdings" panose="05000000000000000000" pitchFamily="2" charset="2"/>
+              </a:rPr>
+              <a:t>years</a:t>
+            </a:r>
+            <a:r>
+              <a:rPr lang="fr-CH" dirty="0" smtClean="0">
+                <a:sym typeface="Wingdings" panose="05000000000000000000" pitchFamily="2" charset="2"/>
+              </a:rPr>
+              <a:t>, 1 </a:t>
+            </a:r>
+            <a:r>
+              <a:rPr lang="fr-CH" dirty="0" err="1" smtClean="0">
+                <a:sym typeface="Wingdings" panose="05000000000000000000" pitchFamily="2" charset="2"/>
+              </a:rPr>
+              <a:t>day</a:t>
+            </a:r>
+            <a:r>
+              <a:rPr lang="fr-CH" dirty="0" smtClean="0">
+                <a:sym typeface="Wingdings" panose="05000000000000000000" pitchFamily="2" charset="2"/>
+              </a:rPr>
+              <a:t> </a:t>
+            </a:r>
+            <a:r>
+              <a:rPr lang="fr-CH" dirty="0" err="1" smtClean="0">
+                <a:sym typeface="Wingdings" panose="05000000000000000000" pitchFamily="2" charset="2"/>
+              </a:rPr>
+              <a:t>timestep</a:t>
+            </a:r>
+            <a:r>
+              <a:rPr lang="fr-CH" dirty="0" smtClean="0">
+                <a:sym typeface="Wingdings" panose="05000000000000000000" pitchFamily="2" charset="2"/>
+              </a:rPr>
+              <a:t>  7 sec</a:t>
+            </a:r>
+          </a:p>
+          <a:p>
+            <a:endParaRPr lang="fr-CH" dirty="0">
+              <a:sym typeface="Wingdings" panose="05000000000000000000" pitchFamily="2" charset="2"/>
+            </a:endParaRPr>
+          </a:p>
+          <a:p>
+            <a:r>
+              <a:rPr lang="fr-CH" dirty="0" smtClean="0">
+                <a:sym typeface="Wingdings" panose="05000000000000000000" pitchFamily="2" charset="2"/>
+              </a:rPr>
+              <a:t>ICE, 100x60= 6000 sites  100 </a:t>
+            </a:r>
+            <a:r>
+              <a:rPr lang="fr-CH" dirty="0" err="1" smtClean="0">
+                <a:sym typeface="Wingdings" panose="05000000000000000000" pitchFamily="2" charset="2"/>
+              </a:rPr>
+              <a:t>hours</a:t>
+            </a:r>
+            <a:r>
+              <a:rPr lang="fr-CH" dirty="0" smtClean="0">
+                <a:sym typeface="Wingdings" panose="05000000000000000000" pitchFamily="2" charset="2"/>
+              </a:rPr>
+              <a:t>  4,1 </a:t>
+            </a:r>
+            <a:r>
+              <a:rPr lang="fr-CH" dirty="0" err="1" smtClean="0">
+                <a:sym typeface="Wingdings" panose="05000000000000000000" pitchFamily="2" charset="2"/>
+              </a:rPr>
+              <a:t>days</a:t>
+            </a:r>
+            <a:endParaRPr lang="fr-CH" dirty="0" smtClean="0">
+              <a:sym typeface="Wingdings" panose="05000000000000000000" pitchFamily="2" charset="2"/>
+            </a:endParaRPr>
+          </a:p>
+          <a:p>
+            <a:r>
+              <a:rPr lang="fr-CH" dirty="0" smtClean="0">
+                <a:sym typeface="Wingdings" panose="05000000000000000000" pitchFamily="2" charset="2"/>
+              </a:rPr>
+              <a:t>3000 sites  50 jours  2,1 </a:t>
+            </a:r>
+            <a:r>
+              <a:rPr lang="fr-CH" smtClean="0">
+                <a:sym typeface="Wingdings" panose="05000000000000000000" pitchFamily="2" charset="2"/>
+              </a:rPr>
+              <a:t>days</a:t>
+            </a:r>
+            <a:endParaRPr lang="en-US" dirty="0"/>
+          </a:p>
+        </p:txBody>
+      </p:sp>
+    </p:spTree>
+    <p:extLst>
+      <p:ext uri="{BB962C8B-B14F-4D97-AF65-F5344CB8AC3E}">
+        <p14:creationId xmlns:p14="http://schemas.microsoft.com/office/powerpoint/2010/main" val="1544995134"/>
+      </p:ext>
+    </p:extLst>
+  </p:cSld>
+  <p:clrMapOvr>
+    <a:masterClrMapping/>
+  </p:clrMapOvr>
+</p:sld>
+</file>
+
 <file path=ppt/slides/slide2.xml><?xml version="1.0" encoding="utf-8"?>
 <p:sld xmlns:a="http://schemas.openxmlformats.org/drawingml/2006/main" xmlns:r="http://schemas.openxmlformats.org/officeDocument/2006/relationships" xmlns:p="http://schemas.openxmlformats.org/presentationml/2006/main">
   <p:cSld>
@@ -3483,8 +3686,8 @@
         </p:nvSpPr>
         <p:spPr bwMode="auto">
           <a:xfrm>
-            <a:off x="1344486" y="2462384"/>
-            <a:ext cx="7074822" cy="3077766"/>
+            <a:off x="1344486" y="2308496"/>
+            <a:ext cx="7017114" cy="3385542"/>
           </a:xfrm>
           <a:prstGeom prst="rect">
             <a:avLst/>
@@ -3801,19 +4004,7 @@
                 </a:solidFill>
                 <a:effectLst/>
               </a:rPr>
-              <a:t>Problem </a:t>
-            </a:r>
-            <a:r>
-              <a:rPr kumimoji="0" lang="en-US" altLang="en-US" sz="2000" b="0" i="0" u="none" strike="noStrike" cap="none" normalizeH="0" baseline="0" dirty="0" smtClean="0">
-                <a:ln>
-                  <a:noFill/>
-                </a:ln>
-                <a:solidFill>
-                  <a:srgbClr val="000000"/>
-                </a:solidFill>
-                <a:effectLst/>
-              </a:rPr>
-              <a:t>for </a:t>
+              <a:t>Problem for </a:t>
             </a:r>
             <a:r>
               <a:rPr kumimoji="0" lang="en-US" altLang="en-US" sz="2000" b="0" i="0" u="none" strike="noStrike" cap="none" normalizeH="0" baseline="0" dirty="0" smtClean="0">
@@ -4073,6 +4264,20 @@
               </a:rPr>
               <a:t>SynthPoint2612Aa_Occurrence.Gammaridae</a:t>
             </a:r>
+          </a:p>
+          <a:p>
+            <a:pPr marL="0" indent="0" eaLnBrk="0" fontAlgn="base" hangingPunct="0">
+              <a:lnSpc>
+                <a:spcPct val="100000"/>
+              </a:lnSpc>
+              <a:spcBef>
+                <a:spcPct val="0"/>
+              </a:spcBef>
+              <a:spcAft>
+                <a:spcPct val="0"/>
+              </a:spcAft>
+              <a:buNone/>
+            </a:pPr>
             <a:r>
               <a:rPr kumimoji="0" lang="en-US" altLang="en-US" sz="2000" b="0" i="0" u="none" strike="noStrike" cap="none" normalizeH="0" baseline="0" dirty="0" smtClean="0">
                 <a:ln>
@@ -4681,7 +4886,9 @@
         </p:nvSpPr>
         <p:spPr/>
         <p:txBody>
-          <a:bodyPr/>
+          <a:bodyPr>
+            <a:normAutofit fontScale="85000" lnSpcReduction="10000"/>
+          </a:bodyPr>
           <a:lstStyle/>
           <a:p>
             <a:r>
@@ -4819,8 +5026,251 @@
             <a:endParaRPr lang="fr-CH" dirty="0" smtClean="0"/>
           </a:p>
           <a:p>
+            <a:r>
+              <a:rPr lang="fr-CH" dirty="0" err="1" smtClean="0"/>
+              <a:t>We</a:t>
+            </a:r>
+            <a:r>
+              <a:rPr lang="fr-CH" dirty="0" smtClean="0"/>
+              <a:t> </a:t>
+            </a:r>
+            <a:r>
+              <a:rPr lang="fr-CH" dirty="0" err="1" smtClean="0"/>
+              <a:t>adapted</a:t>
+            </a:r>
+            <a:r>
+              <a:rPr lang="fr-CH" dirty="0" smtClean="0"/>
+              <a:t> warning of not </a:t>
+            </a:r>
+            <a:r>
+              <a:rPr lang="fr-CH" dirty="0" err="1" smtClean="0"/>
+              <a:t>reaching</a:t>
+            </a:r>
+            <a:r>
+              <a:rPr lang="fr-CH" dirty="0" smtClean="0"/>
+              <a:t> </a:t>
+            </a:r>
+            <a:r>
+              <a:rPr lang="fr-CH" dirty="0" err="1" smtClean="0"/>
+              <a:t>equilibrium</a:t>
+            </a:r>
+            <a:endParaRPr lang="fr-CH" dirty="0" smtClean="0"/>
+          </a:p>
+          <a:p>
             <a:pPr lvl="1"/>
-            <a:endParaRPr lang="en-US" dirty="0"/>
+            <a:r>
+              <a:rPr lang="en-US" dirty="0" err="1"/>
+              <a:t>ratio.tail</a:t>
+            </a:r>
+            <a:r>
+              <a:rPr lang="en-US" dirty="0"/>
+              <a:t> &lt;- 1/10 # which fraction of time vector should we take (at the end) to calculate the steady state by making the </a:t>
+            </a:r>
+            <a:r>
+              <a:rPr lang="en-US" dirty="0" smtClean="0"/>
+              <a:t>average</a:t>
+            </a:r>
+          </a:p>
+          <a:p>
+            <a:pPr lvl="1"/>
+            <a:r>
+              <a:rPr lang="en-US" dirty="0" err="1" smtClean="0"/>
+              <a:t>threshold.orig</a:t>
+            </a:r>
+            <a:r>
+              <a:rPr lang="en-US" dirty="0" smtClean="0"/>
+              <a:t> </a:t>
+            </a:r>
+            <a:r>
+              <a:rPr lang="en-US" dirty="0"/>
+              <a:t>&lt;- 0.001 # standard deviation tolerance of the distribution of the "averages" steady state, to be considered at </a:t>
+            </a:r>
+            <a:r>
+              <a:rPr lang="en-US" dirty="0" smtClean="0"/>
+              <a:t>equilibrium</a:t>
+            </a:r>
+          </a:p>
+          <a:p>
+            <a:pPr lvl="1"/>
+            <a:r>
+              <a:rPr lang="en-US" dirty="0" err="1" smtClean="0"/>
+              <a:t>threshold.min</a:t>
+            </a:r>
+            <a:r>
+              <a:rPr lang="en-US" dirty="0" smtClean="0"/>
+              <a:t> </a:t>
+            </a:r>
+            <a:r>
+              <a:rPr lang="en-US" dirty="0"/>
+              <a:t>&lt;- 6.162e-05*0.01 # 1% change in individual of the smallest </a:t>
+            </a:r>
+            <a:r>
+              <a:rPr lang="en-US" dirty="0" smtClean="0"/>
+              <a:t>invertebrate</a:t>
+            </a:r>
+          </a:p>
+          <a:p>
+            <a:pPr lvl="1"/>
+            <a:r>
+              <a:rPr lang="en-US" dirty="0" err="1" smtClean="0"/>
+              <a:t>threshold.max</a:t>
+            </a:r>
+            <a:r>
+              <a:rPr lang="en-US" dirty="0" smtClean="0"/>
+              <a:t> </a:t>
+            </a:r>
+            <a:r>
+              <a:rPr lang="en-US" dirty="0"/>
+              <a:t>&lt;- 3.600e-02*0.01 # 1% change in individual of the biggest invertebrate</a:t>
+            </a:r>
+            <a:endParaRPr lang="fr-CH" dirty="0" smtClean="0"/>
+          </a:p>
+          <a:p>
+            <a:r>
+              <a:rPr lang="fr-CH" dirty="0" err="1" smtClean="0"/>
+              <a:t>Now</a:t>
+            </a:r>
+            <a:r>
+              <a:rPr lang="fr-CH" dirty="0" smtClean="0"/>
+              <a:t> the warning </a:t>
+            </a:r>
+            <a:r>
+              <a:rPr lang="fr-CH" dirty="0" err="1" smtClean="0"/>
+              <a:t>is</a:t>
+            </a:r>
+            <a:r>
+              <a:rPr lang="fr-CH" dirty="0" smtClean="0"/>
+              <a:t> </a:t>
+            </a:r>
+            <a:r>
+              <a:rPr lang="fr-CH" dirty="0" err="1" smtClean="0"/>
+              <a:t>almost</a:t>
+            </a:r>
+            <a:r>
+              <a:rPr lang="fr-CH" dirty="0" smtClean="0"/>
+              <a:t> </a:t>
+            </a:r>
+            <a:r>
+              <a:rPr lang="fr-CH" dirty="0" err="1" smtClean="0"/>
+              <a:t>too</a:t>
+            </a:r>
+            <a:r>
+              <a:rPr lang="fr-CH" dirty="0" smtClean="0"/>
+              <a:t> sensitive, </a:t>
+            </a:r>
+            <a:r>
+              <a:rPr lang="fr-CH" dirty="0" err="1" smtClean="0"/>
+              <a:t>returns</a:t>
+            </a:r>
+            <a:r>
+              <a:rPr lang="fr-CH" dirty="0" smtClean="0"/>
+              <a:t> </a:t>
+            </a:r>
+            <a:r>
+              <a:rPr lang="fr-CH" dirty="0" err="1" smtClean="0"/>
+              <a:t>that</a:t>
+            </a:r>
+            <a:r>
+              <a:rPr lang="fr-CH" dirty="0" smtClean="0"/>
+              <a:t> taxa </a:t>
+            </a:r>
+            <a:r>
+              <a:rPr lang="fr-CH" dirty="0" err="1" smtClean="0"/>
+              <a:t>didn’t</a:t>
+            </a:r>
+            <a:r>
+              <a:rPr lang="fr-CH" dirty="0" smtClean="0"/>
+              <a:t> </a:t>
+            </a:r>
+            <a:r>
+              <a:rPr lang="fr-CH" dirty="0" err="1" smtClean="0"/>
+              <a:t>reach</a:t>
+            </a:r>
+            <a:r>
+              <a:rPr lang="fr-CH" dirty="0" smtClean="0"/>
+              <a:t> </a:t>
+            </a:r>
+            <a:r>
+              <a:rPr lang="fr-CH" dirty="0" err="1" smtClean="0"/>
+              <a:t>equilibrium</a:t>
+            </a:r>
+            <a:r>
+              <a:rPr lang="fr-CH" dirty="0" smtClean="0"/>
+              <a:t> </a:t>
+            </a:r>
+            <a:r>
+              <a:rPr lang="fr-CH" dirty="0" err="1" smtClean="0"/>
+              <a:t>when</a:t>
+            </a:r>
+            <a:r>
+              <a:rPr lang="fr-CH" dirty="0" smtClean="0"/>
+              <a:t> </a:t>
+            </a:r>
+            <a:r>
+              <a:rPr lang="fr-CH" dirty="0" err="1" smtClean="0"/>
+              <a:t>it</a:t>
+            </a:r>
+            <a:r>
+              <a:rPr lang="fr-CH" dirty="0" smtClean="0"/>
+              <a:t> </a:t>
+            </a:r>
+            <a:r>
+              <a:rPr lang="fr-CH" dirty="0" err="1" smtClean="0"/>
+              <a:t>seems</a:t>
+            </a:r>
+            <a:r>
+              <a:rPr lang="fr-CH" dirty="0" smtClean="0"/>
+              <a:t> </a:t>
+            </a:r>
+            <a:r>
+              <a:rPr lang="fr-CH" dirty="0" err="1" smtClean="0"/>
+              <a:t>that</a:t>
+            </a:r>
+            <a:r>
+              <a:rPr lang="fr-CH" dirty="0" smtClean="0"/>
+              <a:t> </a:t>
+            </a:r>
+            <a:r>
+              <a:rPr lang="fr-CH" dirty="0" err="1" smtClean="0"/>
+              <a:t>it</a:t>
+            </a:r>
+            <a:r>
+              <a:rPr lang="fr-CH" dirty="0" smtClean="0"/>
+              <a:t> </a:t>
+            </a:r>
+            <a:r>
+              <a:rPr lang="fr-CH" dirty="0" err="1" smtClean="0"/>
+              <a:t>is</a:t>
+            </a:r>
+            <a:r>
+              <a:rPr lang="fr-CH" dirty="0" smtClean="0"/>
+              <a:t> at </a:t>
+            </a:r>
+            <a:r>
+              <a:rPr lang="fr-CH" dirty="0" err="1" smtClean="0"/>
+              <a:t>equilibrium</a:t>
+            </a:r>
+            <a:endParaRPr lang="fr-CH" dirty="0"/>
+          </a:p>
+          <a:p>
+            <a:pPr lvl="1"/>
+            <a:r>
+              <a:rPr lang="fr-CH" dirty="0" smtClean="0"/>
+              <a:t>Test </a:t>
+            </a:r>
+            <a:r>
+              <a:rPr lang="fr-CH" dirty="0" err="1" smtClean="0"/>
+              <a:t>other</a:t>
+            </a:r>
+            <a:r>
+              <a:rPr lang="fr-CH" dirty="0" smtClean="0"/>
+              <a:t> </a:t>
+            </a:r>
+            <a:r>
+              <a:rPr lang="fr-CH" dirty="0" err="1" smtClean="0"/>
+              <a:t>threshold</a:t>
+            </a:r>
+            <a:endParaRPr lang="fr-CH" dirty="0"/>
           </a:p>
         </p:txBody>
       </p:sp>
@@ -4828,6 +5278,1512 @@
     <p:extLst>
       <p:ext uri="{BB962C8B-B14F-4D97-AF65-F5344CB8AC3E}">
         <p14:creationId xmlns:p14="http://schemas.microsoft.com/office/powerpoint/2010/main" val="2776553587"/>
+      </p:ext>
+    </p:extLst>
+  </p:cSld>
+  <p:clrMapOvr>
+    <a:masterClrMapping/>
+  </p:clrMapOvr>
+</p:sld>
+</file>
+
+<file path=ppt/slides/slide6.xml><?xml version="1.0" encoding="utf-8"?>
+<p:sld xmlns:a="http://schemas.openxmlformats.org/drawingml/2006/main" xmlns:r="http://schemas.openxmlformats.org/officeDocument/2006/relationships" xmlns:p="http://schemas.openxmlformats.org/presentationml/2006/main">
+  <p:cSld>
+    <p:spTree>
+      <p:nvGrpSpPr>
+        <p:cNvPr id="1" name=""/>
+        <p:cNvGrpSpPr/>
+        <p:nvPr/>
+      </p:nvGrpSpPr>
+      <p:grpSpPr>
+        <a:xfrm>
+          <a:off x="0" y="0"/>
+          <a:ext cx="0" cy="0"/>
+          <a:chOff x="0" y="0"/>
+          <a:chExt cx="0" cy="0"/>
+        </a:xfrm>
+      </p:grpSpPr>
+      <p:sp>
+        <p:nvSpPr>
+          <p:cNvPr id="2" name="Title 1"/>
+          <p:cNvSpPr>
+            <a:spLocks noGrp="1"/>
+          </p:cNvSpPr>
+          <p:nvPr>
+            <p:ph type="title"/>
+          </p:nvPr>
+        </p:nvSpPr>
+        <p:spPr/>
+        <p:txBody>
+          <a:bodyPr/>
+          <a:lstStyle/>
+          <a:p>
+            <a:r>
+              <a:rPr lang="fr-CH" dirty="0" err="1" smtClean="0"/>
+              <a:t>Comparison</a:t>
+            </a:r>
+            <a:r>
+              <a:rPr lang="fr-CH" dirty="0" smtClean="0"/>
+              <a:t> 200 vs 1000 </a:t>
+            </a:r>
+            <a:r>
+              <a:rPr lang="fr-CH" dirty="0" err="1" smtClean="0"/>
+              <a:t>years</a:t>
+            </a:r>
+            <a:r>
+              <a:rPr lang="fr-CH" dirty="0" smtClean="0"/>
+              <a:t> simulation</a:t>
+            </a:r>
+            <a:endParaRPr lang="en-US" dirty="0"/>
+          </a:p>
+        </p:txBody>
+      </p:sp>
+      <p:sp>
+        <p:nvSpPr>
+          <p:cNvPr id="3" name="Content Placeholder 2"/>
+          <p:cNvSpPr>
+            <a:spLocks noGrp="1"/>
+          </p:cNvSpPr>
+          <p:nvPr>
+            <p:ph idx="1"/>
+          </p:nvPr>
+        </p:nvSpPr>
+        <p:spPr/>
+        <p:txBody>
+          <a:bodyPr>
+            <a:normAutofit lnSpcReduction="10000"/>
+          </a:bodyPr>
+          <a:lstStyle/>
+          <a:p>
+            <a:r>
+              <a:rPr lang="fr-CH" dirty="0" smtClean="0"/>
+              <a:t>For 200 </a:t>
+            </a:r>
+            <a:r>
+              <a:rPr lang="fr-CH" dirty="0" err="1" smtClean="0"/>
+              <a:t>years</a:t>
+            </a:r>
+            <a:r>
+              <a:rPr lang="fr-CH" dirty="0" smtClean="0"/>
+              <a:t>, </a:t>
+            </a:r>
+            <a:r>
+              <a:rPr lang="fr-CH" dirty="0" err="1"/>
+              <a:t>w</a:t>
+            </a:r>
+            <a:r>
+              <a:rPr lang="fr-CH" dirty="0" err="1" smtClean="0"/>
+              <a:t>ith</a:t>
+            </a:r>
+            <a:r>
+              <a:rPr lang="fr-CH" dirty="0" smtClean="0"/>
+              <a:t> </a:t>
+            </a:r>
+            <a:r>
+              <a:rPr lang="fr-CH" dirty="0" err="1" smtClean="0"/>
+              <a:t>threshold.min</a:t>
+            </a:r>
+            <a:r>
+              <a:rPr lang="fr-CH" dirty="0" smtClean="0"/>
+              <a:t>, </a:t>
+            </a:r>
+            <a:r>
+              <a:rPr lang="fr-CH" dirty="0" err="1" smtClean="0"/>
+              <a:t>we</a:t>
+            </a:r>
+            <a:r>
+              <a:rPr lang="fr-CH" dirty="0" smtClean="0"/>
+              <a:t> </a:t>
+            </a:r>
+            <a:r>
+              <a:rPr lang="fr-CH" dirty="0" err="1" smtClean="0"/>
+              <a:t>get</a:t>
+            </a:r>
+            <a:r>
+              <a:rPr lang="fr-CH" dirty="0" smtClean="0"/>
+              <a:t> warnings </a:t>
+            </a:r>
+            <a:r>
+              <a:rPr lang="fr-CH" dirty="0" err="1" smtClean="0"/>
+              <a:t>that</a:t>
+            </a:r>
+            <a:r>
+              <a:rPr lang="fr-CH" dirty="0" smtClean="0"/>
+              <a:t> </a:t>
+            </a:r>
+            <a:r>
+              <a:rPr lang="fr-CH" dirty="0" err="1" smtClean="0"/>
+              <a:t>don’t</a:t>
+            </a:r>
+            <a:r>
+              <a:rPr lang="fr-CH" dirty="0" smtClean="0"/>
+              <a:t> </a:t>
+            </a:r>
+            <a:r>
+              <a:rPr lang="fr-CH" dirty="0" err="1" smtClean="0"/>
+              <a:t>seem</a:t>
+            </a:r>
+            <a:r>
+              <a:rPr lang="fr-CH" dirty="0" smtClean="0"/>
+              <a:t> to </a:t>
+            </a:r>
+            <a:r>
+              <a:rPr lang="fr-CH" dirty="0" err="1" smtClean="0"/>
+              <a:t>be</a:t>
+            </a:r>
+            <a:r>
+              <a:rPr lang="fr-CH" dirty="0" smtClean="0"/>
+              <a:t> a </a:t>
+            </a:r>
+            <a:r>
+              <a:rPr lang="fr-CH" dirty="0" err="1" smtClean="0"/>
+              <a:t>problem</a:t>
+            </a:r>
+            <a:endParaRPr lang="fr-CH" dirty="0" smtClean="0"/>
+          </a:p>
+          <a:p>
+            <a:r>
+              <a:rPr lang="fr-CH" dirty="0" smtClean="0"/>
+              <a:t>If </a:t>
+            </a:r>
+            <a:r>
+              <a:rPr lang="fr-CH" dirty="0" err="1" smtClean="0"/>
+              <a:t>we</a:t>
+            </a:r>
+            <a:r>
+              <a:rPr lang="fr-CH" dirty="0" smtClean="0"/>
+              <a:t> compare </a:t>
+            </a:r>
+            <a:r>
+              <a:rPr lang="fr-CH" dirty="0" err="1" smtClean="0"/>
+              <a:t>runs</a:t>
+            </a:r>
+            <a:r>
+              <a:rPr lang="fr-CH" dirty="0" smtClean="0"/>
+              <a:t> of 200 and 1000 </a:t>
+            </a:r>
+            <a:r>
+              <a:rPr lang="fr-CH" dirty="0" err="1" smtClean="0"/>
+              <a:t>years</a:t>
+            </a:r>
+            <a:r>
+              <a:rPr lang="fr-CH" dirty="0" smtClean="0"/>
+              <a:t> the </a:t>
+            </a:r>
+            <a:r>
+              <a:rPr lang="fr-CH" dirty="0" err="1" smtClean="0"/>
+              <a:t>results</a:t>
+            </a:r>
+            <a:r>
+              <a:rPr lang="fr-CH" dirty="0" smtClean="0"/>
+              <a:t> </a:t>
+            </a:r>
+            <a:r>
+              <a:rPr lang="fr-CH" dirty="0" err="1" smtClean="0"/>
+              <a:t>seem</a:t>
+            </a:r>
+            <a:r>
+              <a:rPr lang="fr-CH" dirty="0" smtClean="0"/>
+              <a:t> stable (</a:t>
+            </a:r>
+            <a:r>
+              <a:rPr lang="fr-CH" dirty="0" err="1" smtClean="0"/>
+              <a:t>even</a:t>
+            </a:r>
+            <a:r>
+              <a:rPr lang="fr-CH" dirty="0" smtClean="0"/>
+              <a:t> if the </a:t>
+            </a:r>
+            <a:r>
+              <a:rPr lang="fr-CH" dirty="0" err="1" smtClean="0"/>
+              <a:t>response</a:t>
+            </a:r>
+            <a:r>
+              <a:rPr lang="fr-CH" dirty="0" smtClean="0"/>
+              <a:t> looks </a:t>
+            </a:r>
+            <a:r>
+              <a:rPr lang="fr-CH" dirty="0" err="1" smtClean="0"/>
+              <a:t>irregular</a:t>
+            </a:r>
+            <a:r>
+              <a:rPr lang="fr-CH" dirty="0" smtClean="0"/>
+              <a:t>) for taxa </a:t>
+            </a:r>
+            <a:r>
+              <a:rPr lang="fr-CH" dirty="0" err="1" smtClean="0"/>
+              <a:t>with</a:t>
+            </a:r>
+            <a:r>
+              <a:rPr lang="fr-CH" dirty="0" smtClean="0"/>
+              <a:t> </a:t>
+            </a:r>
+            <a:r>
+              <a:rPr lang="fr-CH" dirty="0" err="1" smtClean="0"/>
+              <a:t>higher</a:t>
+            </a:r>
+            <a:r>
+              <a:rPr lang="fr-CH" dirty="0" smtClean="0"/>
+              <a:t> </a:t>
+            </a:r>
+            <a:r>
+              <a:rPr lang="fr-CH" dirty="0" err="1" smtClean="0"/>
+              <a:t>abundance</a:t>
+            </a:r>
+            <a:r>
+              <a:rPr lang="fr-CH" dirty="0" smtClean="0"/>
+              <a:t> (</a:t>
+            </a:r>
+            <a:r>
+              <a:rPr lang="fr-CH" dirty="0" err="1" smtClean="0"/>
+              <a:t>e.g</a:t>
+            </a:r>
+            <a:r>
+              <a:rPr lang="fr-CH" dirty="0" smtClean="0"/>
+              <a:t>. </a:t>
+            </a:r>
+            <a:r>
+              <a:rPr lang="fr-CH" dirty="0" err="1" smtClean="0"/>
+              <a:t>Elmidae</a:t>
+            </a:r>
+            <a:r>
+              <a:rPr lang="fr-CH" dirty="0" smtClean="0"/>
+              <a:t>, </a:t>
+            </a:r>
+            <a:r>
+              <a:rPr lang="fr-CH" dirty="0" err="1" smtClean="0"/>
+              <a:t>Limoniidae</a:t>
+            </a:r>
+            <a:r>
+              <a:rPr lang="fr-CH" dirty="0" smtClean="0"/>
+              <a:t>, </a:t>
+            </a:r>
+            <a:r>
+              <a:rPr lang="fr-CH" dirty="0" err="1" smtClean="0"/>
+              <a:t>Nemouramortoni</a:t>
+            </a:r>
+            <a:r>
+              <a:rPr lang="fr-CH" dirty="0" smtClean="0"/>
+              <a:t>, </a:t>
+            </a:r>
+            <a:r>
+              <a:rPr lang="fr-CH" dirty="0" err="1" smtClean="0"/>
+              <a:t>etc</a:t>
+            </a:r>
+            <a:r>
+              <a:rPr lang="fr-CH" dirty="0" smtClean="0"/>
+              <a:t>) and </a:t>
+            </a:r>
+            <a:r>
+              <a:rPr lang="fr-CH" dirty="0" err="1" smtClean="0"/>
+              <a:t>seem</a:t>
+            </a:r>
+            <a:r>
+              <a:rPr lang="fr-CH" dirty="0" smtClean="0"/>
+              <a:t> to continue </a:t>
+            </a:r>
+            <a:r>
+              <a:rPr lang="fr-CH" dirty="0" err="1" smtClean="0"/>
+              <a:t>decreasing</a:t>
+            </a:r>
+            <a:r>
+              <a:rPr lang="fr-CH" dirty="0" smtClean="0"/>
+              <a:t> for </a:t>
+            </a:r>
+            <a:r>
+              <a:rPr lang="fr-CH" dirty="0" err="1" smtClean="0"/>
+              <a:t>abundance</a:t>
+            </a:r>
+            <a:r>
+              <a:rPr lang="fr-CH" dirty="0" smtClean="0"/>
+              <a:t> </a:t>
+            </a:r>
+            <a:r>
+              <a:rPr lang="fr-CH" dirty="0" err="1" smtClean="0"/>
+              <a:t>that</a:t>
+            </a:r>
+            <a:r>
+              <a:rPr lang="fr-CH" dirty="0" smtClean="0"/>
+              <a:t> are </a:t>
+            </a:r>
+            <a:r>
+              <a:rPr lang="fr-CH" dirty="0" err="1" smtClean="0"/>
+              <a:t>closest</a:t>
+            </a:r>
+            <a:r>
+              <a:rPr lang="fr-CH" dirty="0" smtClean="0"/>
+              <a:t> to 0 (</a:t>
+            </a:r>
+            <a:r>
+              <a:rPr lang="fr-CH" dirty="0" err="1" smtClean="0"/>
+              <a:t>e.g</a:t>
+            </a:r>
+            <a:r>
+              <a:rPr lang="fr-CH" dirty="0" smtClean="0"/>
+              <a:t>. </a:t>
+            </a:r>
+            <a:r>
+              <a:rPr lang="en-US" dirty="0" err="1" smtClean="0"/>
+              <a:t>Cryptothrixnebulicola</a:t>
+            </a:r>
+            <a:r>
+              <a:rPr lang="en-US" dirty="0" smtClean="0"/>
+              <a:t>, </a:t>
+            </a:r>
+            <a:r>
+              <a:rPr lang="en-US" dirty="0" err="1"/>
+              <a:t>Rhithrogenaloyolaea</a:t>
+            </a:r>
+            <a:r>
+              <a:rPr lang="en-US" dirty="0" smtClean="0"/>
+              <a:t>), which has no impact on probability of observation (stay at 0)</a:t>
+            </a:r>
+          </a:p>
+          <a:p>
+            <a:r>
+              <a:rPr lang="fr-CH" dirty="0" smtClean="0">
+                <a:sym typeface="Wingdings" panose="05000000000000000000" pitchFamily="2" charset="2"/>
+              </a:rPr>
+              <a:t> </a:t>
+            </a:r>
+            <a:r>
+              <a:rPr lang="fr-CH" dirty="0" err="1" smtClean="0">
+                <a:sym typeface="Wingdings" panose="05000000000000000000" pitchFamily="2" charset="2"/>
+              </a:rPr>
+              <a:t>try</a:t>
+            </a:r>
+            <a:r>
+              <a:rPr lang="fr-CH" dirty="0" smtClean="0">
+                <a:sym typeface="Wingdings" panose="05000000000000000000" pitchFamily="2" charset="2"/>
+              </a:rPr>
+              <a:t> </a:t>
+            </a:r>
+            <a:r>
+              <a:rPr lang="fr-CH" dirty="0" err="1" smtClean="0">
+                <a:sym typeface="Wingdings" panose="05000000000000000000" pitchFamily="2" charset="2"/>
+              </a:rPr>
+              <a:t>shorter</a:t>
+            </a:r>
+            <a:r>
+              <a:rPr lang="fr-CH" dirty="0" smtClean="0">
+                <a:sym typeface="Wingdings" panose="05000000000000000000" pitchFamily="2" charset="2"/>
+              </a:rPr>
+              <a:t> </a:t>
+            </a:r>
+            <a:r>
+              <a:rPr lang="fr-CH" dirty="0" err="1" smtClean="0">
+                <a:sym typeface="Wingdings" panose="05000000000000000000" pitchFamily="2" charset="2"/>
+              </a:rPr>
+              <a:t>years</a:t>
+            </a:r>
+            <a:r>
+              <a:rPr lang="fr-CH" dirty="0" smtClean="0">
+                <a:sym typeface="Wingdings" panose="05000000000000000000" pitchFamily="2" charset="2"/>
+              </a:rPr>
+              <a:t>, compare and </a:t>
+            </a:r>
+            <a:r>
+              <a:rPr lang="fr-CH" dirty="0" err="1" smtClean="0">
+                <a:sym typeface="Wingdings" panose="05000000000000000000" pitchFamily="2" charset="2"/>
+              </a:rPr>
+              <a:t>analyze</a:t>
+            </a:r>
+            <a:r>
+              <a:rPr lang="fr-CH" dirty="0" smtClean="0">
+                <a:sym typeface="Wingdings" panose="05000000000000000000" pitchFamily="2" charset="2"/>
+              </a:rPr>
+              <a:t> warnings and </a:t>
+            </a:r>
+            <a:r>
+              <a:rPr lang="fr-CH" dirty="0" err="1" smtClean="0">
+                <a:sym typeface="Wingdings" panose="05000000000000000000" pitchFamily="2" charset="2"/>
+              </a:rPr>
+              <a:t>results</a:t>
+            </a:r>
+            <a:r>
+              <a:rPr lang="fr-CH" dirty="0" smtClean="0">
+                <a:sym typeface="Wingdings" panose="05000000000000000000" pitchFamily="2" charset="2"/>
+              </a:rPr>
+              <a:t> to </a:t>
+            </a:r>
+            <a:r>
+              <a:rPr lang="fr-CH" dirty="0" err="1" smtClean="0">
+                <a:sym typeface="Wingdings" panose="05000000000000000000" pitchFamily="2" charset="2"/>
+              </a:rPr>
+              <a:t>find</a:t>
+            </a:r>
+            <a:r>
+              <a:rPr lang="fr-CH" dirty="0" smtClean="0">
+                <a:sym typeface="Wingdings" panose="05000000000000000000" pitchFamily="2" charset="2"/>
+              </a:rPr>
+              <a:t> a good </a:t>
+            </a:r>
+            <a:r>
+              <a:rPr lang="fr-CH" dirty="0" err="1" smtClean="0">
+                <a:sym typeface="Wingdings" panose="05000000000000000000" pitchFamily="2" charset="2"/>
+              </a:rPr>
+              <a:t>trade</a:t>
+            </a:r>
+            <a:r>
+              <a:rPr lang="fr-CH" dirty="0" smtClean="0">
+                <a:sym typeface="Wingdings" panose="05000000000000000000" pitchFamily="2" charset="2"/>
+              </a:rPr>
+              <a:t>-off of output time and </a:t>
+            </a:r>
+            <a:r>
+              <a:rPr lang="fr-CH" dirty="0" err="1" smtClean="0">
+                <a:sym typeface="Wingdings" panose="05000000000000000000" pitchFamily="2" charset="2"/>
+              </a:rPr>
+              <a:t>resolution</a:t>
+            </a:r>
+            <a:r>
+              <a:rPr lang="fr-CH" dirty="0" smtClean="0">
+                <a:sym typeface="Wingdings" panose="05000000000000000000" pitchFamily="2" charset="2"/>
+              </a:rPr>
+              <a:t>  and </a:t>
+            </a:r>
+            <a:r>
+              <a:rPr lang="fr-CH" dirty="0" err="1" smtClean="0">
+                <a:sym typeface="Wingdings" panose="05000000000000000000" pitchFamily="2" charset="2"/>
+              </a:rPr>
+              <a:t>sensitivity</a:t>
+            </a:r>
+            <a:r>
+              <a:rPr lang="fr-CH" dirty="0" smtClean="0">
+                <a:sym typeface="Wingdings" panose="05000000000000000000" pitchFamily="2" charset="2"/>
+              </a:rPr>
+              <a:t> of </a:t>
+            </a:r>
+            <a:r>
+              <a:rPr lang="fr-CH" dirty="0" smtClean="0">
+                <a:sym typeface="Wingdings" panose="05000000000000000000" pitchFamily="2" charset="2"/>
+              </a:rPr>
+              <a:t>warning </a:t>
+            </a:r>
+            <a:r>
+              <a:rPr lang="fr-CH" dirty="0" smtClean="0">
+                <a:sym typeface="Wingdings" panose="05000000000000000000" pitchFamily="2" charset="2"/>
+              </a:rPr>
+              <a:t>of </a:t>
+            </a:r>
+            <a:r>
+              <a:rPr lang="fr-CH" dirty="0" err="1" smtClean="0">
+                <a:sym typeface="Wingdings" panose="05000000000000000000" pitchFamily="2" charset="2"/>
+              </a:rPr>
+              <a:t>steady</a:t>
+            </a:r>
+            <a:r>
+              <a:rPr lang="fr-CH" dirty="0" smtClean="0">
+                <a:sym typeface="Wingdings" panose="05000000000000000000" pitchFamily="2" charset="2"/>
+              </a:rPr>
+              <a:t> state</a:t>
+            </a:r>
+            <a:endParaRPr lang="en-US" dirty="0"/>
+          </a:p>
+        </p:txBody>
+      </p:sp>
+    </p:spTree>
+    <p:extLst>
+      <p:ext uri="{BB962C8B-B14F-4D97-AF65-F5344CB8AC3E}">
+        <p14:creationId xmlns:p14="http://schemas.microsoft.com/office/powerpoint/2010/main" val="2955747603"/>
+      </p:ext>
+    </p:extLst>
+  </p:cSld>
+  <p:clrMapOvr>
+    <a:masterClrMapping/>
+  </p:clrMapOvr>
+</p:sld>
+</file>
+
+<file path=ppt/slides/slide7.xml><?xml version="1.0" encoding="utf-8"?>
+<p:sld xmlns:a="http://schemas.openxmlformats.org/drawingml/2006/main" xmlns:r="http://schemas.openxmlformats.org/officeDocument/2006/relationships" xmlns:p="http://schemas.openxmlformats.org/presentationml/2006/main">
+  <p:cSld>
+    <p:spTree>
+      <p:nvGrpSpPr>
+        <p:cNvPr id="1" name=""/>
+        <p:cNvGrpSpPr/>
+        <p:nvPr/>
+      </p:nvGrpSpPr>
+      <p:grpSpPr>
+        <a:xfrm>
+          <a:off x="0" y="0"/>
+          <a:ext cx="0" cy="0"/>
+          <a:chOff x="0" y="0"/>
+          <a:chExt cx="0" cy="0"/>
+        </a:xfrm>
+      </p:grpSpPr>
+      <p:sp>
+        <p:nvSpPr>
+          <p:cNvPr id="2" name="Title 1"/>
+          <p:cNvSpPr>
+            <a:spLocks noGrp="1"/>
+          </p:cNvSpPr>
+          <p:nvPr>
+            <p:ph type="title"/>
+          </p:nvPr>
+        </p:nvSpPr>
+        <p:spPr/>
+        <p:txBody>
+          <a:bodyPr/>
+          <a:lstStyle/>
+          <a:p>
+            <a:r>
+              <a:rPr lang="fr-CH" dirty="0" err="1" smtClean="0"/>
+              <a:t>Comparison</a:t>
+            </a:r>
+            <a:r>
+              <a:rPr lang="fr-CH" dirty="0" smtClean="0"/>
+              <a:t> 100 vs 200 </a:t>
+            </a:r>
+            <a:r>
+              <a:rPr lang="fr-CH" dirty="0" err="1" smtClean="0"/>
+              <a:t>years</a:t>
+            </a:r>
+            <a:endParaRPr lang="en-US" dirty="0"/>
+          </a:p>
+        </p:txBody>
+      </p:sp>
+      <p:sp>
+        <p:nvSpPr>
+          <p:cNvPr id="3" name="Content Placeholder 2"/>
+          <p:cNvSpPr>
+            <a:spLocks noGrp="1"/>
+          </p:cNvSpPr>
+          <p:nvPr>
+            <p:ph idx="1"/>
+          </p:nvPr>
+        </p:nvSpPr>
+        <p:spPr/>
+        <p:txBody>
+          <a:bodyPr/>
+          <a:lstStyle/>
+          <a:p>
+            <a:r>
+              <a:rPr lang="fr-CH" dirty="0" err="1" smtClean="0"/>
+              <a:t>With</a:t>
+            </a:r>
+            <a:r>
+              <a:rPr lang="fr-CH" dirty="0" smtClean="0"/>
+              <a:t> </a:t>
+            </a:r>
+            <a:r>
+              <a:rPr lang="fr-CH" dirty="0" err="1" smtClean="0"/>
+              <a:t>threshold</a:t>
+            </a:r>
+            <a:r>
+              <a:rPr lang="fr-CH" dirty="0" smtClean="0"/>
+              <a:t> min and </a:t>
+            </a:r>
+            <a:r>
+              <a:rPr lang="fr-CH" dirty="0" err="1" smtClean="0"/>
+              <a:t>median</a:t>
+            </a:r>
+            <a:r>
+              <a:rPr lang="fr-CH" dirty="0" smtClean="0"/>
+              <a:t> </a:t>
+            </a:r>
+            <a:r>
+              <a:rPr lang="fr-CH" dirty="0" err="1" smtClean="0"/>
+              <a:t>we</a:t>
+            </a:r>
+            <a:r>
+              <a:rPr lang="fr-CH" dirty="0" smtClean="0"/>
+              <a:t> </a:t>
+            </a:r>
+            <a:r>
+              <a:rPr lang="fr-CH" dirty="0" err="1" smtClean="0"/>
+              <a:t>get</a:t>
+            </a:r>
+            <a:r>
+              <a:rPr lang="fr-CH" dirty="0" smtClean="0"/>
+              <a:t> warnings </a:t>
+            </a:r>
+            <a:r>
+              <a:rPr lang="fr-CH" dirty="0" err="1" smtClean="0"/>
+              <a:t>that</a:t>
+            </a:r>
+            <a:r>
+              <a:rPr lang="fr-CH" dirty="0" smtClean="0"/>
+              <a:t> </a:t>
+            </a:r>
+            <a:r>
+              <a:rPr lang="fr-CH" dirty="0" err="1" smtClean="0"/>
+              <a:t>don’t</a:t>
+            </a:r>
+            <a:r>
+              <a:rPr lang="fr-CH" dirty="0" smtClean="0"/>
+              <a:t> </a:t>
+            </a:r>
+            <a:r>
+              <a:rPr lang="fr-CH" dirty="0" err="1" smtClean="0"/>
+              <a:t>seem</a:t>
+            </a:r>
+            <a:r>
+              <a:rPr lang="fr-CH" dirty="0" smtClean="0"/>
+              <a:t> to </a:t>
+            </a:r>
+            <a:r>
+              <a:rPr lang="fr-CH" dirty="0" err="1" smtClean="0"/>
+              <a:t>be</a:t>
+            </a:r>
+            <a:r>
+              <a:rPr lang="fr-CH" dirty="0" smtClean="0"/>
+              <a:t> a </a:t>
+            </a:r>
+            <a:r>
+              <a:rPr lang="fr-CH" dirty="0" err="1" smtClean="0"/>
+              <a:t>problem</a:t>
+            </a:r>
+            <a:r>
+              <a:rPr lang="fr-CH" dirty="0" smtClean="0"/>
+              <a:t> (</a:t>
+            </a:r>
+            <a:r>
+              <a:rPr lang="fr-CH" dirty="0" err="1" smtClean="0"/>
+              <a:t>see</a:t>
+            </a:r>
+            <a:r>
+              <a:rPr lang="fr-CH" dirty="0" smtClean="0"/>
+              <a:t> </a:t>
+            </a:r>
+            <a:r>
+              <a:rPr lang="fr-CH" dirty="0" err="1" smtClean="0"/>
+              <a:t>comparison</a:t>
+            </a:r>
+            <a:r>
+              <a:rPr lang="fr-CH" dirty="0" smtClean="0"/>
+              <a:t> of </a:t>
+            </a:r>
+            <a:r>
+              <a:rPr lang="fr-CH" dirty="0" err="1" smtClean="0"/>
+              <a:t>response</a:t>
+            </a:r>
+            <a:r>
+              <a:rPr lang="fr-CH" dirty="0" smtClean="0"/>
+              <a:t> plot), </a:t>
+            </a:r>
+            <a:r>
+              <a:rPr lang="fr-CH" dirty="0" err="1" smtClean="0"/>
+              <a:t>except</a:t>
+            </a:r>
+            <a:r>
+              <a:rPr lang="fr-CH" dirty="0" smtClean="0"/>
+              <a:t> for</a:t>
+            </a:r>
+          </a:p>
+          <a:p>
+            <a:pPr lvl="1"/>
+            <a:r>
+              <a:rPr lang="en-US" dirty="0" err="1" smtClean="0"/>
+              <a:t>Siphonoperlatorrentium</a:t>
+            </a:r>
+            <a:endParaRPr lang="en-US" dirty="0"/>
+          </a:p>
+        </p:txBody>
+      </p:sp>
+    </p:spTree>
+    <p:extLst>
+      <p:ext uri="{BB962C8B-B14F-4D97-AF65-F5344CB8AC3E}">
+        <p14:creationId xmlns:p14="http://schemas.microsoft.com/office/powerpoint/2010/main" val="1504214983"/>
+      </p:ext>
+    </p:extLst>
+  </p:cSld>
+  <p:clrMapOvr>
+    <a:masterClrMapping/>
+  </p:clrMapOvr>
+</p:sld>
+</file>
+
+<file path=ppt/slides/slide8.xml><?xml version="1.0" encoding="utf-8"?>
+<p:sld xmlns:a="http://schemas.openxmlformats.org/drawingml/2006/main" xmlns:r="http://schemas.openxmlformats.org/officeDocument/2006/relationships" xmlns:p="http://schemas.openxmlformats.org/presentationml/2006/main">
+  <p:cSld>
+    <p:spTree>
+      <p:nvGrpSpPr>
+        <p:cNvPr id="1" name=""/>
+        <p:cNvGrpSpPr/>
+        <p:nvPr/>
+      </p:nvGrpSpPr>
+      <p:grpSpPr>
+        <a:xfrm>
+          <a:off x="0" y="0"/>
+          <a:ext cx="0" cy="0"/>
+          <a:chOff x="0" y="0"/>
+          <a:chExt cx="0" cy="0"/>
+        </a:xfrm>
+      </p:grpSpPr>
+      <p:sp>
+        <p:nvSpPr>
+          <p:cNvPr id="2" name="Title 1"/>
+          <p:cNvSpPr>
+            <a:spLocks noGrp="1"/>
+          </p:cNvSpPr>
+          <p:nvPr>
+            <p:ph type="title"/>
+          </p:nvPr>
+        </p:nvSpPr>
+        <p:spPr/>
+        <p:txBody>
+          <a:bodyPr/>
+          <a:lstStyle/>
+          <a:p>
+            <a:r>
+              <a:rPr lang="fr-CH" dirty="0" err="1" smtClean="0"/>
+              <a:t>Problems</a:t>
+            </a:r>
+            <a:r>
+              <a:rPr lang="fr-CH" dirty="0" smtClean="0"/>
+              <a:t> </a:t>
+            </a:r>
+            <a:r>
+              <a:rPr lang="fr-CH" dirty="0" err="1" smtClean="0"/>
+              <a:t>with</a:t>
+            </a:r>
+            <a:r>
+              <a:rPr lang="fr-CH" dirty="0" smtClean="0"/>
+              <a:t> NA</a:t>
+            </a:r>
+            <a:endParaRPr lang="en-US" dirty="0"/>
+          </a:p>
+        </p:txBody>
+      </p:sp>
+      <p:sp>
+        <p:nvSpPr>
+          <p:cNvPr id="3" name="Content Placeholder 2"/>
+          <p:cNvSpPr>
+            <a:spLocks noGrp="1"/>
+          </p:cNvSpPr>
+          <p:nvPr>
+            <p:ph idx="1"/>
+          </p:nvPr>
+        </p:nvSpPr>
+        <p:spPr/>
+        <p:txBody>
+          <a:bodyPr>
+            <a:normAutofit fontScale="92500" lnSpcReduction="10000"/>
+          </a:bodyPr>
+          <a:lstStyle/>
+          <a:p>
+            <a:pPr marL="0" indent="0">
+              <a:buNone/>
+            </a:pPr>
+            <a:r>
+              <a:rPr lang="fr-CH" dirty="0" err="1" smtClean="0"/>
+              <a:t>Problems</a:t>
+            </a:r>
+            <a:r>
+              <a:rPr lang="fr-CH" dirty="0" smtClean="0"/>
+              <a:t> </a:t>
+            </a:r>
+            <a:r>
+              <a:rPr lang="fr-CH" dirty="0" err="1" smtClean="0"/>
+              <a:t>with</a:t>
+            </a:r>
+            <a:r>
+              <a:rPr lang="fr-CH" dirty="0" smtClean="0"/>
+              <a:t> NA:</a:t>
+            </a:r>
+            <a:endParaRPr lang="en-US" dirty="0" smtClean="0"/>
+          </a:p>
+          <a:p>
+            <a:r>
+              <a:rPr lang="en-US" dirty="0" smtClean="0"/>
+              <a:t>8Catch_20Sites_ICE_update.traits.hybrid_CorrectPar_50Yea_18251Steps_ice_20_Sites_20Steps_tempmaxC_perCatch</a:t>
+            </a:r>
+            <a:endParaRPr lang="en-US" dirty="0"/>
+          </a:p>
+          <a:p>
+            <a:pPr lvl="1"/>
+            <a:r>
+              <a:rPr lang="en-US" dirty="0" smtClean="0"/>
+              <a:t>SynthPoint8909Rh1 (</a:t>
+            </a:r>
+            <a:r>
+              <a:rPr lang="en-US" dirty="0" err="1" smtClean="0"/>
+              <a:t>RheinabBS</a:t>
+            </a:r>
+            <a:r>
+              <a:rPr lang="en-US" dirty="0" smtClean="0"/>
+              <a:t>)</a:t>
+            </a:r>
+          </a:p>
+          <a:p>
+            <a:pPr lvl="1"/>
+            <a:r>
+              <a:rPr lang="fr-CH" dirty="0" smtClean="0"/>
+              <a:t>R version stops, </a:t>
+            </a:r>
+            <a:r>
+              <a:rPr lang="fr-CH" dirty="0" err="1" smtClean="0"/>
+              <a:t>when</a:t>
+            </a:r>
+            <a:r>
+              <a:rPr lang="fr-CH" dirty="0" smtClean="0"/>
+              <a:t> C version continues running </a:t>
+            </a:r>
+            <a:r>
+              <a:rPr lang="fr-CH" dirty="0" err="1" smtClean="0"/>
+              <a:t>with</a:t>
+            </a:r>
+            <a:r>
+              <a:rPr lang="fr-CH" dirty="0" smtClean="0"/>
+              <a:t> </a:t>
+            </a:r>
+            <a:r>
+              <a:rPr lang="fr-CH" dirty="0" err="1" smtClean="0"/>
+              <a:t>returning</a:t>
+            </a:r>
+            <a:r>
+              <a:rPr lang="fr-CH" dirty="0" smtClean="0"/>
+              <a:t> </a:t>
+            </a:r>
+            <a:r>
+              <a:rPr lang="fr-CH" dirty="0" err="1" smtClean="0"/>
+              <a:t>Nas</a:t>
+            </a:r>
+            <a:endParaRPr lang="fr-CH" dirty="0" smtClean="0"/>
+          </a:p>
+          <a:p>
+            <a:pPr lvl="1"/>
+            <a:r>
+              <a:rPr lang="fr-CH" dirty="0" smtClean="0"/>
+              <a:t>-&gt; </a:t>
+            </a:r>
+            <a:r>
+              <a:rPr lang="fr-CH" dirty="0" err="1" smtClean="0"/>
+              <a:t>it’s</a:t>
+            </a:r>
+            <a:r>
+              <a:rPr lang="fr-CH" dirty="0" smtClean="0"/>
+              <a:t> a </a:t>
+            </a:r>
+            <a:r>
+              <a:rPr lang="fr-CH" dirty="0" err="1" smtClean="0"/>
+              <a:t>numerical</a:t>
+            </a:r>
+            <a:r>
+              <a:rPr lang="fr-CH" dirty="0" smtClean="0"/>
+              <a:t> </a:t>
+            </a:r>
+            <a:r>
+              <a:rPr lang="fr-CH" dirty="0" err="1" smtClean="0"/>
+              <a:t>problem</a:t>
+            </a:r>
+            <a:r>
+              <a:rPr lang="fr-CH" dirty="0" smtClean="0"/>
+              <a:t>, </a:t>
+            </a:r>
+            <a:r>
+              <a:rPr lang="fr-CH" dirty="0" err="1" smtClean="0"/>
+              <a:t>we</a:t>
+            </a:r>
+            <a:r>
+              <a:rPr lang="fr-CH" dirty="0" smtClean="0"/>
+              <a:t> </a:t>
+            </a:r>
+            <a:r>
+              <a:rPr lang="fr-CH" dirty="0" err="1" smtClean="0"/>
+              <a:t>don’t</a:t>
+            </a:r>
+            <a:r>
+              <a:rPr lang="fr-CH" dirty="0" smtClean="0"/>
+              <a:t> know </a:t>
+            </a:r>
+            <a:r>
+              <a:rPr lang="fr-CH" dirty="0" err="1" smtClean="0"/>
+              <a:t>exactly</a:t>
+            </a:r>
+            <a:r>
+              <a:rPr lang="fr-CH" dirty="0" smtClean="0"/>
+              <a:t> </a:t>
+            </a:r>
+            <a:r>
+              <a:rPr lang="fr-CH" dirty="0" err="1" smtClean="0"/>
+              <a:t>from</a:t>
+            </a:r>
+            <a:r>
+              <a:rPr lang="fr-CH" dirty="0" smtClean="0"/>
+              <a:t> </a:t>
+            </a:r>
+            <a:r>
+              <a:rPr lang="fr-CH" dirty="0" err="1" smtClean="0"/>
+              <a:t>which</a:t>
+            </a:r>
+            <a:r>
+              <a:rPr lang="fr-CH" dirty="0" smtClean="0"/>
+              <a:t> limitation </a:t>
+            </a:r>
+            <a:r>
+              <a:rPr lang="fr-CH" dirty="0" err="1" smtClean="0"/>
+              <a:t>factors</a:t>
+            </a:r>
+            <a:r>
+              <a:rPr lang="fr-CH" dirty="0" smtClean="0"/>
+              <a:t>/state variables </a:t>
+            </a:r>
+            <a:r>
+              <a:rPr lang="fr-CH" dirty="0" err="1" smtClean="0"/>
+              <a:t>it’s</a:t>
+            </a:r>
+            <a:r>
+              <a:rPr lang="fr-CH" dirty="0" smtClean="0"/>
+              <a:t> </a:t>
+            </a:r>
+            <a:r>
+              <a:rPr lang="fr-CH" dirty="0" err="1" smtClean="0"/>
+              <a:t>coming</a:t>
+            </a:r>
+            <a:r>
+              <a:rPr lang="fr-CH" dirty="0" smtClean="0"/>
+              <a:t> </a:t>
+            </a:r>
+            <a:r>
+              <a:rPr lang="fr-CH" dirty="0" err="1" smtClean="0"/>
+              <a:t>from</a:t>
+            </a:r>
+            <a:r>
+              <a:rPr lang="fr-CH" dirty="0" smtClean="0"/>
+              <a:t> but </a:t>
+            </a:r>
+            <a:r>
+              <a:rPr lang="fr-CH" dirty="0" err="1" smtClean="0"/>
+              <a:t>it’s</a:t>
+            </a:r>
+            <a:r>
+              <a:rPr lang="fr-CH" dirty="0" smtClean="0"/>
+              <a:t> possible</a:t>
+            </a:r>
+            <a:endParaRPr lang="fr-CH" dirty="0"/>
+          </a:p>
+          <a:p>
+            <a:pPr marL="0" indent="0">
+              <a:buNone/>
+            </a:pPr>
+            <a:r>
+              <a:rPr lang="fr-CH" dirty="0" err="1" smtClean="0"/>
+              <a:t>Irregular</a:t>
+            </a:r>
+            <a:r>
+              <a:rPr lang="fr-CH" dirty="0" smtClean="0"/>
+              <a:t> </a:t>
+            </a:r>
+            <a:r>
+              <a:rPr lang="fr-CH" dirty="0" err="1" smtClean="0"/>
+              <a:t>shape</a:t>
+            </a:r>
+            <a:r>
+              <a:rPr lang="fr-CH" dirty="0" smtClean="0"/>
+              <a:t>:</a:t>
+            </a:r>
+          </a:p>
+          <a:p>
+            <a:r>
+              <a:rPr lang="en-US" dirty="0" smtClean="0"/>
+              <a:t>8Catch_20Sites_ICE_update.traits.hybrid_CorrectPar_50Yea_18251Steps_ice_20_Sites_20Steps_tempmaxC_perCatch</a:t>
+            </a:r>
+            <a:endParaRPr lang="fr-CH" dirty="0" smtClean="0"/>
+          </a:p>
+          <a:p>
+            <a:pPr lvl="1"/>
+            <a:r>
+              <a:rPr lang="en-US" dirty="0" smtClean="0"/>
+              <a:t>SynthPoint1961Aa1 (Aare)</a:t>
+            </a:r>
+            <a:endParaRPr lang="en-US" dirty="0"/>
+          </a:p>
+        </p:txBody>
+      </p:sp>
+    </p:spTree>
+    <p:extLst>
+      <p:ext uri="{BB962C8B-B14F-4D97-AF65-F5344CB8AC3E}">
+        <p14:creationId xmlns:p14="http://schemas.microsoft.com/office/powerpoint/2010/main" val="4167548351"/>
+      </p:ext>
+    </p:extLst>
+  </p:cSld>
+  <p:clrMapOvr>
+    <a:masterClrMapping/>
+  </p:clrMapOvr>
+</p:sld>
+</file>
+
+<file path=ppt/slides/slide9.xml><?xml version="1.0" encoding="utf-8"?>
+<p:sld xmlns:a="http://schemas.openxmlformats.org/drawingml/2006/main" xmlns:r="http://schemas.openxmlformats.org/officeDocument/2006/relationships" xmlns:p="http://schemas.openxmlformats.org/presentationml/2006/main">
+  <p:cSld>
+    <p:spTree>
+      <p:nvGrpSpPr>
+        <p:cNvPr id="1" name=""/>
+        <p:cNvGrpSpPr/>
+        <p:nvPr/>
+      </p:nvGrpSpPr>
+      <p:grpSpPr>
+        <a:xfrm>
+          <a:off x="0" y="0"/>
+          <a:ext cx="0" cy="0"/>
+          <a:chOff x="0" y="0"/>
+          <a:chExt cx="0" cy="0"/>
+        </a:xfrm>
+      </p:grpSpPr>
+      <p:sp>
+        <p:nvSpPr>
+          <p:cNvPr id="2" name="Title 1"/>
+          <p:cNvSpPr>
+            <a:spLocks noGrp="1"/>
+          </p:cNvSpPr>
+          <p:nvPr>
+            <p:ph type="title"/>
+          </p:nvPr>
+        </p:nvSpPr>
+        <p:spPr/>
+        <p:txBody>
+          <a:bodyPr/>
+          <a:lstStyle/>
+          <a:p>
+            <a:r>
+              <a:rPr lang="fr-CH" dirty="0" err="1" smtClean="0"/>
+              <a:t>Exploring</a:t>
+            </a:r>
+            <a:r>
+              <a:rPr lang="fr-CH" dirty="0" smtClean="0"/>
+              <a:t> NA</a:t>
+            </a:r>
+            <a:endParaRPr lang="en-US" dirty="0"/>
+          </a:p>
+        </p:txBody>
+      </p:sp>
+      <p:sp>
+        <p:nvSpPr>
+          <p:cNvPr id="3" name="Content Placeholder 2"/>
+          <p:cNvSpPr>
+            <a:spLocks noGrp="1"/>
+          </p:cNvSpPr>
+          <p:nvPr>
+            <p:ph idx="1"/>
+          </p:nvPr>
+        </p:nvSpPr>
+        <p:spPr/>
+        <p:txBody>
+          <a:bodyPr>
+            <a:normAutofit lnSpcReduction="10000"/>
+          </a:bodyPr>
+          <a:lstStyle/>
+          <a:p>
+            <a:pPr marL="0" indent="0">
+              <a:buNone/>
+            </a:pPr>
+            <a:r>
+              <a:rPr lang="fr-CH" dirty="0" smtClean="0"/>
+              <a:t>Site </a:t>
+            </a:r>
+            <a:r>
+              <a:rPr lang="en-US" altLang="en-US" dirty="0">
+                <a:solidFill>
+                  <a:srgbClr val="000000"/>
+                </a:solidFill>
+              </a:rPr>
+              <a:t>SynthPoint8909Rh</a:t>
+            </a:r>
+            <a:r>
+              <a:rPr lang="en-US" altLang="en-US" dirty="0"/>
+              <a:t> </a:t>
+            </a:r>
+            <a:r>
+              <a:rPr lang="en-US" altLang="en-US" dirty="0" smtClean="0"/>
+              <a:t>divided by 5 or 20 (ICE temperature steps)</a:t>
+            </a:r>
+          </a:p>
+          <a:p>
+            <a:r>
+              <a:rPr lang="fr-CH" altLang="en-US" dirty="0" smtClean="0"/>
+              <a:t>For</a:t>
+            </a:r>
+            <a:r>
+              <a:rPr lang="en-US" altLang="en-US" dirty="0">
+                <a:solidFill>
+                  <a:srgbClr val="000000"/>
+                </a:solidFill>
+              </a:rPr>
+              <a:t> </a:t>
+            </a:r>
+            <a:r>
+              <a:rPr lang="en-US" altLang="en-US" dirty="0" smtClean="0">
+                <a:solidFill>
+                  <a:srgbClr val="000000"/>
+                </a:solidFill>
+              </a:rPr>
+              <a:t>SynthPoint8909Rh1</a:t>
+            </a:r>
+          </a:p>
+          <a:p>
+            <a:pPr lvl="1"/>
+            <a:r>
+              <a:rPr lang="fr-CH" altLang="en-US" dirty="0" smtClean="0">
+                <a:solidFill>
+                  <a:srgbClr val="000000"/>
+                </a:solidFill>
+              </a:rPr>
+              <a:t>2 </a:t>
+            </a:r>
+            <a:r>
+              <a:rPr lang="fr-CH" altLang="en-US" dirty="0" err="1" smtClean="0">
+                <a:solidFill>
+                  <a:srgbClr val="000000"/>
+                </a:solidFill>
+              </a:rPr>
+              <a:t>years</a:t>
+            </a:r>
+            <a:r>
+              <a:rPr lang="fr-CH" altLang="en-US" dirty="0" smtClean="0">
+                <a:solidFill>
+                  <a:srgbClr val="000000"/>
+                </a:solidFill>
+              </a:rPr>
+              <a:t>, 1 </a:t>
+            </a:r>
+            <a:r>
+              <a:rPr lang="fr-CH" altLang="en-US" dirty="0" err="1" smtClean="0">
+                <a:solidFill>
+                  <a:srgbClr val="000000"/>
+                </a:solidFill>
+              </a:rPr>
+              <a:t>day</a:t>
+            </a:r>
+            <a:r>
+              <a:rPr lang="fr-CH" altLang="en-US" dirty="0" smtClean="0">
+                <a:solidFill>
+                  <a:srgbClr val="000000"/>
+                </a:solidFill>
+              </a:rPr>
+              <a:t>, NA at 1.84 time </a:t>
+            </a:r>
+            <a:r>
+              <a:rPr lang="fr-CH" altLang="en-US" dirty="0" err="1" smtClean="0">
+                <a:solidFill>
+                  <a:srgbClr val="000000"/>
+                </a:solidFill>
+              </a:rPr>
+              <a:t>step</a:t>
+            </a:r>
+            <a:endParaRPr lang="fr-CH" altLang="en-US" dirty="0" smtClean="0">
+              <a:solidFill>
+                <a:srgbClr val="000000"/>
+              </a:solidFill>
+            </a:endParaRPr>
+          </a:p>
+          <a:p>
+            <a:pPr lvl="1"/>
+            <a:r>
+              <a:rPr lang="fr-CH" altLang="en-US" dirty="0" smtClean="0"/>
+              <a:t>2 </a:t>
+            </a:r>
+            <a:r>
+              <a:rPr lang="fr-CH" altLang="en-US" dirty="0" err="1" smtClean="0"/>
+              <a:t>years</a:t>
+            </a:r>
+            <a:r>
+              <a:rPr lang="fr-CH" altLang="en-US" dirty="0" smtClean="0"/>
+              <a:t>, 1/10 </a:t>
+            </a:r>
+            <a:r>
+              <a:rPr lang="fr-CH" altLang="en-US" dirty="0" err="1" smtClean="0"/>
+              <a:t>days</a:t>
+            </a:r>
+            <a:r>
+              <a:rPr lang="fr-CH" altLang="en-US" dirty="0" smtClean="0"/>
+              <a:t>, no NA</a:t>
+            </a:r>
+          </a:p>
+          <a:p>
+            <a:pPr lvl="1"/>
+            <a:r>
+              <a:rPr lang="fr-CH" altLang="en-US" dirty="0" smtClean="0"/>
+              <a:t>2 </a:t>
+            </a:r>
+            <a:r>
+              <a:rPr lang="fr-CH" altLang="en-US" dirty="0" err="1" smtClean="0"/>
+              <a:t>years</a:t>
+            </a:r>
+            <a:r>
+              <a:rPr lang="fr-CH" altLang="en-US" dirty="0" smtClean="0"/>
+              <a:t>, 1/10 </a:t>
+            </a:r>
+            <a:r>
+              <a:rPr lang="fr-CH" altLang="en-US" dirty="0" err="1" smtClean="0"/>
+              <a:t>days</a:t>
+            </a:r>
+            <a:r>
+              <a:rPr lang="fr-CH" altLang="en-US" dirty="0" smtClean="0"/>
+              <a:t>, 10 </a:t>
+            </a:r>
+            <a:r>
+              <a:rPr lang="fr-CH" altLang="en-US" dirty="0" err="1" smtClean="0"/>
+              <a:t>years</a:t>
+            </a:r>
+            <a:r>
+              <a:rPr lang="fr-CH" altLang="en-US" dirty="0" smtClean="0"/>
+              <a:t>, 1 </a:t>
+            </a:r>
+            <a:r>
+              <a:rPr lang="fr-CH" altLang="en-US" dirty="0" err="1" smtClean="0"/>
+              <a:t>day</a:t>
+            </a:r>
+            <a:r>
+              <a:rPr lang="fr-CH" altLang="en-US" dirty="0" smtClean="0"/>
+              <a:t>, NA</a:t>
+            </a:r>
+          </a:p>
+          <a:p>
+            <a:pPr lvl="1"/>
+            <a:r>
+              <a:rPr lang="fr-CH" altLang="en-US" dirty="0" smtClean="0"/>
+              <a:t>10 </a:t>
+            </a:r>
+            <a:r>
+              <a:rPr lang="fr-CH" altLang="en-US" dirty="0" err="1" smtClean="0"/>
+              <a:t>years</a:t>
+            </a:r>
+            <a:r>
+              <a:rPr lang="fr-CH" altLang="en-US" dirty="0" smtClean="0"/>
+              <a:t>, 1/10 </a:t>
+            </a:r>
+            <a:r>
+              <a:rPr lang="fr-CH" altLang="en-US" dirty="0" err="1" smtClean="0"/>
+              <a:t>days</a:t>
+            </a:r>
+            <a:r>
+              <a:rPr lang="fr-CH" altLang="en-US" dirty="0" smtClean="0"/>
+              <a:t>, no NA</a:t>
+            </a:r>
+          </a:p>
+          <a:p>
+            <a:pPr lvl="1"/>
+            <a:r>
+              <a:rPr lang="fr-CH" altLang="en-US" dirty="0" smtClean="0"/>
+              <a:t>10 </a:t>
+            </a:r>
+            <a:r>
+              <a:rPr lang="fr-CH" altLang="en-US" dirty="0" err="1" smtClean="0"/>
+              <a:t>years</a:t>
+            </a:r>
+            <a:r>
+              <a:rPr lang="fr-CH" altLang="en-US" dirty="0" smtClean="0"/>
+              <a:t>, 1 </a:t>
+            </a:r>
+            <a:r>
+              <a:rPr lang="fr-CH" altLang="en-US" dirty="0" err="1" smtClean="0"/>
+              <a:t>day</a:t>
+            </a:r>
+            <a:r>
+              <a:rPr lang="fr-CH" altLang="en-US" dirty="0" smtClean="0"/>
+              <a:t>, </a:t>
+            </a:r>
+            <a:r>
+              <a:rPr lang="fr-CH" altLang="en-US" dirty="0" err="1" smtClean="0"/>
+              <a:t>init</a:t>
+            </a:r>
+            <a:r>
+              <a:rPr lang="fr-CH" altLang="en-US" dirty="0" smtClean="0"/>
+              <a:t> </a:t>
+            </a:r>
+            <a:r>
+              <a:rPr lang="fr-CH" altLang="en-US" dirty="0" err="1" smtClean="0"/>
+              <a:t>cond</a:t>
+            </a:r>
+            <a:r>
+              <a:rPr lang="fr-CH" altLang="en-US" dirty="0" smtClean="0"/>
+              <a:t> 0.5, NA at 2.12 time </a:t>
+            </a:r>
+            <a:r>
+              <a:rPr lang="fr-CH" altLang="en-US" dirty="0" err="1" smtClean="0"/>
+              <a:t>step</a:t>
+            </a:r>
+            <a:endParaRPr lang="fr-CH" altLang="en-US" dirty="0" smtClean="0"/>
+          </a:p>
+          <a:p>
+            <a:pPr lvl="1"/>
+            <a:r>
+              <a:rPr lang="fr-CH" altLang="en-US" dirty="0" smtClean="0"/>
+              <a:t>2 </a:t>
+            </a:r>
+            <a:r>
+              <a:rPr lang="fr-CH" altLang="en-US" dirty="0" err="1" smtClean="0"/>
+              <a:t>years</a:t>
+            </a:r>
+            <a:r>
+              <a:rPr lang="fr-CH" altLang="en-US" dirty="0" smtClean="0"/>
+              <a:t>, 1/10 </a:t>
+            </a:r>
+            <a:r>
+              <a:rPr lang="fr-CH" altLang="en-US" dirty="0" err="1" smtClean="0"/>
+              <a:t>days</a:t>
+            </a:r>
+            <a:r>
+              <a:rPr lang="fr-CH" altLang="en-US" dirty="0" smtClean="0"/>
+              <a:t>, 10 </a:t>
+            </a:r>
+            <a:r>
+              <a:rPr lang="fr-CH" altLang="en-US" dirty="0" err="1" smtClean="0"/>
+              <a:t>years</a:t>
+            </a:r>
+            <a:r>
+              <a:rPr lang="fr-CH" altLang="en-US" dirty="0" smtClean="0"/>
+              <a:t>, 1 </a:t>
+            </a:r>
+            <a:r>
+              <a:rPr lang="fr-CH" altLang="en-US" dirty="0" err="1" smtClean="0"/>
+              <a:t>day</a:t>
+            </a:r>
+            <a:r>
+              <a:rPr lang="fr-CH" altLang="en-US" dirty="0" smtClean="0"/>
+              <a:t>, NA at 2.12 time </a:t>
+            </a:r>
+            <a:r>
+              <a:rPr lang="fr-CH" altLang="en-US" dirty="0" err="1" smtClean="0"/>
+              <a:t>step</a:t>
+            </a:r>
+            <a:endParaRPr lang="fr-CH" altLang="en-US" dirty="0" smtClean="0"/>
+          </a:p>
+          <a:p>
+            <a:pPr lvl="1"/>
+            <a:r>
+              <a:rPr lang="fr-CH" altLang="en-US" dirty="0" smtClean="0"/>
+              <a:t>10 </a:t>
+            </a:r>
+            <a:r>
+              <a:rPr lang="fr-CH" altLang="en-US" dirty="0" err="1" smtClean="0"/>
+              <a:t>years</a:t>
+            </a:r>
+            <a:r>
+              <a:rPr lang="fr-CH" altLang="en-US" dirty="0" smtClean="0"/>
+              <a:t>, 1/10 </a:t>
+            </a:r>
+            <a:r>
+              <a:rPr lang="fr-CH" altLang="en-US" dirty="0" err="1" smtClean="0"/>
+              <a:t>days</a:t>
+            </a:r>
+            <a:r>
+              <a:rPr lang="fr-CH" altLang="en-US" dirty="0" smtClean="0"/>
+              <a:t>, </a:t>
+            </a:r>
+            <a:r>
+              <a:rPr lang="fr-CH" altLang="en-US" dirty="0" err="1" smtClean="0"/>
+              <a:t>init</a:t>
+            </a:r>
+            <a:r>
+              <a:rPr lang="fr-CH" altLang="en-US" dirty="0" smtClean="0"/>
+              <a:t> </a:t>
+            </a:r>
+            <a:r>
+              <a:rPr lang="fr-CH" altLang="en-US" dirty="0" err="1" smtClean="0"/>
+              <a:t>cond</a:t>
+            </a:r>
+            <a:r>
+              <a:rPr lang="fr-CH" altLang="en-US" dirty="0" smtClean="0"/>
+              <a:t> 0.5, no NA</a:t>
+            </a:r>
+          </a:p>
+          <a:p>
+            <a:pPr lvl="1"/>
+            <a:r>
+              <a:rPr lang="fr-CH" altLang="en-US" dirty="0" smtClean="0"/>
+              <a:t>50 </a:t>
+            </a:r>
+            <a:r>
+              <a:rPr lang="fr-CH" altLang="en-US" dirty="0" err="1" smtClean="0"/>
+              <a:t>years</a:t>
+            </a:r>
+            <a:r>
+              <a:rPr lang="fr-CH" altLang="en-US" dirty="0" smtClean="0"/>
+              <a:t>, 1/10 </a:t>
+            </a:r>
+            <a:r>
+              <a:rPr lang="fr-CH" altLang="en-US" dirty="0" err="1" smtClean="0"/>
+              <a:t>days</a:t>
+            </a:r>
+            <a:r>
+              <a:rPr lang="fr-CH" altLang="en-US" dirty="0" smtClean="0"/>
+              <a:t>, </a:t>
+            </a:r>
+            <a:r>
+              <a:rPr lang="fr-CH" altLang="en-US" dirty="0" err="1" smtClean="0"/>
+              <a:t>init</a:t>
+            </a:r>
+            <a:r>
+              <a:rPr lang="fr-CH" altLang="en-US" dirty="0" smtClean="0"/>
+              <a:t> </a:t>
+            </a:r>
+            <a:r>
+              <a:rPr lang="fr-CH" altLang="en-US" dirty="0" err="1" smtClean="0"/>
+              <a:t>cond</a:t>
+            </a:r>
+            <a:r>
+              <a:rPr lang="fr-CH" altLang="en-US" dirty="0" smtClean="0"/>
+              <a:t> 0.5, no NA ~1 minute per site</a:t>
+            </a:r>
+          </a:p>
+          <a:p>
+            <a:pPr lvl="1"/>
+            <a:r>
+              <a:rPr lang="fr-CH" altLang="en-US" dirty="0"/>
+              <a:t>50 </a:t>
+            </a:r>
+            <a:r>
+              <a:rPr lang="fr-CH" altLang="en-US" dirty="0" err="1"/>
+              <a:t>years</a:t>
+            </a:r>
+            <a:r>
+              <a:rPr lang="fr-CH" altLang="en-US" dirty="0"/>
+              <a:t>, 1/10 </a:t>
+            </a:r>
+            <a:r>
+              <a:rPr lang="fr-CH" altLang="en-US" dirty="0" err="1"/>
+              <a:t>days</a:t>
+            </a:r>
+            <a:r>
+              <a:rPr lang="fr-CH" altLang="en-US" dirty="0"/>
+              <a:t>, </a:t>
+            </a:r>
+            <a:r>
+              <a:rPr lang="fr-CH" altLang="en-US" dirty="0" err="1"/>
+              <a:t>init</a:t>
+            </a:r>
+            <a:r>
+              <a:rPr lang="fr-CH" altLang="en-US" dirty="0"/>
+              <a:t> </a:t>
+            </a:r>
+            <a:r>
+              <a:rPr lang="fr-CH" altLang="en-US" dirty="0" err="1"/>
+              <a:t>cond</a:t>
+            </a:r>
+            <a:r>
+              <a:rPr lang="fr-CH" altLang="en-US" dirty="0"/>
+              <a:t> 1</a:t>
+            </a:r>
+            <a:r>
+              <a:rPr lang="fr-CH" altLang="en-US" dirty="0" smtClean="0"/>
+              <a:t>, </a:t>
+            </a:r>
+            <a:r>
+              <a:rPr lang="fr-CH" altLang="en-US" dirty="0"/>
+              <a:t>no NA ~1 minute per site</a:t>
+            </a:r>
+            <a:endParaRPr lang="en-US" altLang="en-US" dirty="0"/>
+          </a:p>
+          <a:p>
+            <a:pPr lvl="1"/>
+            <a:endParaRPr lang="en-US" altLang="en-US" dirty="0"/>
+          </a:p>
+          <a:p>
+            <a:pPr marL="0" indent="0">
+              <a:buNone/>
+            </a:pPr>
+            <a:endParaRPr lang="en-US" dirty="0"/>
+          </a:p>
+        </p:txBody>
+      </p:sp>
+    </p:spTree>
+    <p:extLst>
+      <p:ext uri="{BB962C8B-B14F-4D97-AF65-F5344CB8AC3E}">
+        <p14:creationId xmlns:p14="http://schemas.microsoft.com/office/powerpoint/2010/main" val="1467191471"/>
       </p:ext>
     </p:extLst>
   </p:cSld>

--- a/C1_documentation/problems_ice.pptx
+++ b/C1_documentation/problems_ice.pptx
@@ -15,6 +15,9 @@
     <p:sldId id="264" r:id="rId9"/>
     <p:sldId id="265" r:id="rId10"/>
     <p:sldId id="262" r:id="rId11"/>
+    <p:sldId id="266" r:id="rId12"/>
+    <p:sldId id="268" r:id="rId13"/>
+    <p:sldId id="267" r:id="rId14"/>
   </p:sldIdLst>
   <p:sldSz cx="12192000" cy="6858000"/>
   <p:notesSz cx="6858000" cy="9144000"/>
@@ -252,7 +255,7 @@
           <a:p>
             <a:fld id="{A3DFD1C4-66D6-4B95-91DF-B66FF7618C52}" type="datetimeFigureOut">
               <a:rPr lang="en-US" smtClean="0"/>
-              <a:t>6/19/2024</a:t>
+              <a:t>7/8/2024</a:t>
             </a:fld>
             <a:endParaRPr lang="en-US"/>
           </a:p>
@@ -422,7 +425,7 @@
           <a:p>
             <a:fld id="{A3DFD1C4-66D6-4B95-91DF-B66FF7618C52}" type="datetimeFigureOut">
               <a:rPr lang="en-US" smtClean="0"/>
-              <a:t>6/19/2024</a:t>
+              <a:t>7/8/2024</a:t>
             </a:fld>
             <a:endParaRPr lang="en-US"/>
           </a:p>
@@ -602,7 +605,7 @@
           <a:p>
             <a:fld id="{A3DFD1C4-66D6-4B95-91DF-B66FF7618C52}" type="datetimeFigureOut">
               <a:rPr lang="en-US" smtClean="0"/>
-              <a:t>6/19/2024</a:t>
+              <a:t>7/8/2024</a:t>
             </a:fld>
             <a:endParaRPr lang="en-US"/>
           </a:p>
@@ -772,7 +775,7 @@
           <a:p>
             <a:fld id="{A3DFD1C4-66D6-4B95-91DF-B66FF7618C52}" type="datetimeFigureOut">
               <a:rPr lang="en-US" smtClean="0"/>
-              <a:t>6/19/2024</a:t>
+              <a:t>7/8/2024</a:t>
             </a:fld>
             <a:endParaRPr lang="en-US"/>
           </a:p>
@@ -1018,7 +1021,7 @@
           <a:p>
             <a:fld id="{A3DFD1C4-66D6-4B95-91DF-B66FF7618C52}" type="datetimeFigureOut">
               <a:rPr lang="en-US" smtClean="0"/>
-              <a:t>6/19/2024</a:t>
+              <a:t>7/8/2024</a:t>
             </a:fld>
             <a:endParaRPr lang="en-US"/>
           </a:p>
@@ -1250,7 +1253,7 @@
           <a:p>
             <a:fld id="{A3DFD1C4-66D6-4B95-91DF-B66FF7618C52}" type="datetimeFigureOut">
               <a:rPr lang="en-US" smtClean="0"/>
-              <a:t>6/19/2024</a:t>
+              <a:t>7/8/2024</a:t>
             </a:fld>
             <a:endParaRPr lang="en-US"/>
           </a:p>
@@ -1617,7 +1620,7 @@
           <a:p>
             <a:fld id="{A3DFD1C4-66D6-4B95-91DF-B66FF7618C52}" type="datetimeFigureOut">
               <a:rPr lang="en-US" smtClean="0"/>
-              <a:t>6/19/2024</a:t>
+              <a:t>7/8/2024</a:t>
             </a:fld>
             <a:endParaRPr lang="en-US"/>
           </a:p>
@@ -1735,7 +1738,7 @@
           <a:p>
             <a:fld id="{A3DFD1C4-66D6-4B95-91DF-B66FF7618C52}" type="datetimeFigureOut">
               <a:rPr lang="en-US" smtClean="0"/>
-              <a:t>6/19/2024</a:t>
+              <a:t>7/8/2024</a:t>
             </a:fld>
             <a:endParaRPr lang="en-US"/>
           </a:p>
@@ -1830,7 +1833,7 @@
           <a:p>
             <a:fld id="{A3DFD1C4-66D6-4B95-91DF-B66FF7618C52}" type="datetimeFigureOut">
               <a:rPr lang="en-US" smtClean="0"/>
-              <a:t>6/19/2024</a:t>
+              <a:t>7/8/2024</a:t>
             </a:fld>
             <a:endParaRPr lang="en-US"/>
           </a:p>
@@ -2107,7 +2110,7 @@
           <a:p>
             <a:fld id="{A3DFD1C4-66D6-4B95-91DF-B66FF7618C52}" type="datetimeFigureOut">
               <a:rPr lang="en-US" smtClean="0"/>
-              <a:t>6/19/2024</a:t>
+              <a:t>7/8/2024</a:t>
             </a:fld>
             <a:endParaRPr lang="en-US"/>
           </a:p>
@@ -2360,7 +2363,7 @@
           <a:p>
             <a:fld id="{A3DFD1C4-66D6-4B95-91DF-B66FF7618C52}" type="datetimeFigureOut">
               <a:rPr lang="en-US" smtClean="0"/>
-              <a:t>6/19/2024</a:t>
+              <a:t>7/8/2024</a:t>
             </a:fld>
             <a:endParaRPr lang="en-US"/>
           </a:p>
@@ -2573,7 +2576,7 @@
           <a:p>
             <a:fld id="{A3DFD1C4-66D6-4B95-91DF-B66FF7618C52}" type="datetimeFigureOut">
               <a:rPr lang="en-US" smtClean="0"/>
-              <a:t>6/19/2024</a:t>
+              <a:t>7/8/2024</a:t>
             </a:fld>
             <a:endParaRPr lang="en-US"/>
           </a:p>
@@ -3622,6 +3625,784 @@
 </p:sld>
 </file>
 
+<file path=ppt/slides/slide11.xml><?xml version="1.0" encoding="utf-8"?>
+<p:sld xmlns:a="http://schemas.openxmlformats.org/drawingml/2006/main" xmlns:r="http://schemas.openxmlformats.org/officeDocument/2006/relationships" xmlns:p="http://schemas.openxmlformats.org/presentationml/2006/main">
+  <p:cSld>
+    <p:spTree>
+      <p:nvGrpSpPr>
+        <p:cNvPr id="1" name=""/>
+        <p:cNvGrpSpPr/>
+        <p:nvPr/>
+      </p:nvGrpSpPr>
+      <p:grpSpPr>
+        <a:xfrm>
+          <a:off x="0" y="0"/>
+          <a:ext cx="0" cy="0"/>
+          <a:chOff x="0" y="0"/>
+          <a:chExt cx="0" cy="0"/>
+        </a:xfrm>
+      </p:grpSpPr>
+      <p:sp>
+        <p:nvSpPr>
+          <p:cNvPr id="2" name="Title 1"/>
+          <p:cNvSpPr>
+            <a:spLocks noGrp="1"/>
+          </p:cNvSpPr>
+          <p:nvPr>
+            <p:ph type="title"/>
+          </p:nvPr>
+        </p:nvSpPr>
+        <p:spPr/>
+        <p:txBody>
+          <a:bodyPr/>
+          <a:lstStyle/>
+          <a:p>
+            <a:r>
+              <a:rPr lang="fr-CH" dirty="0" smtClean="0"/>
+              <a:t>08.07.24</a:t>
+            </a:r>
+            <a:endParaRPr lang="en-US" dirty="0"/>
+          </a:p>
+        </p:txBody>
+      </p:sp>
+      <p:sp>
+        <p:nvSpPr>
+          <p:cNvPr id="3" name="Content Placeholder 2"/>
+          <p:cNvSpPr>
+            <a:spLocks noGrp="1"/>
+          </p:cNvSpPr>
+          <p:nvPr>
+            <p:ph idx="1"/>
+          </p:nvPr>
+        </p:nvSpPr>
+        <p:spPr/>
+        <p:txBody>
+          <a:bodyPr/>
+          <a:lstStyle/>
+          <a:p>
+            <a:r>
+              <a:rPr lang="fr-CH" dirty="0" err="1" smtClean="0"/>
+              <a:t>Problem</a:t>
+            </a:r>
+            <a:r>
+              <a:rPr lang="fr-CH" dirty="0" smtClean="0"/>
+              <a:t>: </a:t>
+            </a:r>
+            <a:r>
+              <a:rPr lang="fr-CH" dirty="0" err="1" smtClean="0"/>
+              <a:t>NAs</a:t>
+            </a:r>
+            <a:r>
+              <a:rPr lang="fr-CH" dirty="0" smtClean="0"/>
+              <a:t> in </a:t>
+            </a:r>
+            <a:r>
+              <a:rPr lang="fr-CH" dirty="0" err="1" smtClean="0"/>
+              <a:t>results</a:t>
+            </a:r>
+            <a:r>
+              <a:rPr lang="fr-CH" dirty="0" smtClean="0"/>
+              <a:t> for POM </a:t>
+            </a:r>
+            <a:r>
+              <a:rPr lang="fr-CH" dirty="0" err="1" smtClean="0"/>
+              <a:t>after</a:t>
+            </a:r>
+            <a:r>
+              <a:rPr lang="fr-CH" dirty="0" smtClean="0"/>
+              <a:t> 1.8 </a:t>
+            </a:r>
+            <a:r>
+              <a:rPr lang="fr-CH" dirty="0" err="1" smtClean="0"/>
+              <a:t>years</a:t>
+            </a:r>
+            <a:r>
+              <a:rPr lang="fr-CH" dirty="0" smtClean="0"/>
+              <a:t>, </a:t>
+            </a:r>
+            <a:r>
+              <a:rPr lang="fr-CH" dirty="0" err="1" smtClean="0"/>
+              <a:t>method</a:t>
+            </a:r>
+            <a:r>
+              <a:rPr lang="fr-CH" dirty="0" smtClean="0"/>
+              <a:t> </a:t>
+            </a:r>
+            <a:r>
+              <a:rPr lang="fr-CH" dirty="0" err="1" smtClean="0"/>
+              <a:t>lsoda</a:t>
+            </a:r>
+            <a:r>
+              <a:rPr lang="fr-CH" dirty="0" smtClean="0"/>
+              <a:t> (adaptive time </a:t>
+            </a:r>
+            <a:r>
+              <a:rPr lang="fr-CH" dirty="0" err="1" smtClean="0"/>
+              <a:t>step</a:t>
+            </a:r>
+            <a:r>
+              <a:rPr lang="fr-CH" dirty="0" smtClean="0"/>
+              <a:t>, tout </a:t>
+            </a:r>
+            <a:r>
+              <a:rPr lang="fr-CH" dirty="0" err="1" smtClean="0"/>
+              <a:t>fixed</a:t>
+            </a:r>
+            <a:r>
+              <a:rPr lang="fr-CH" dirty="0" smtClean="0"/>
+              <a:t> 1day, 10 or 50 </a:t>
+            </a:r>
+            <a:r>
+              <a:rPr lang="fr-CH" dirty="0" err="1" smtClean="0"/>
+              <a:t>years</a:t>
+            </a:r>
+            <a:r>
+              <a:rPr lang="fr-CH" dirty="0" smtClean="0"/>
+              <a:t>)</a:t>
+            </a:r>
+          </a:p>
+          <a:p>
+            <a:r>
+              <a:rPr lang="fr-CH" dirty="0" err="1" smtClean="0"/>
+              <a:t>Tried</a:t>
+            </a:r>
+            <a:r>
+              <a:rPr lang="fr-CH" dirty="0" smtClean="0"/>
+              <a:t>:</a:t>
+            </a:r>
+          </a:p>
+          <a:p>
+            <a:pPr lvl="1"/>
+            <a:r>
+              <a:rPr lang="fr-CH" dirty="0" err="1" smtClean="0"/>
+              <a:t>Different</a:t>
+            </a:r>
+            <a:r>
+              <a:rPr lang="fr-CH" dirty="0" smtClean="0"/>
+              <a:t> output time </a:t>
+            </a:r>
+            <a:r>
+              <a:rPr lang="fr-CH" dirty="0" err="1" smtClean="0"/>
+              <a:t>steps</a:t>
+            </a:r>
+            <a:r>
+              <a:rPr lang="fr-CH" dirty="0" smtClean="0"/>
+              <a:t> size, </a:t>
+            </a:r>
+            <a:r>
+              <a:rPr lang="fr-CH" dirty="0" err="1" smtClean="0"/>
+              <a:t>e.g</a:t>
+            </a:r>
+            <a:r>
+              <a:rPr lang="fr-CH" dirty="0" smtClean="0"/>
+              <a:t>., ½ </a:t>
+            </a:r>
+            <a:r>
+              <a:rPr lang="fr-CH" dirty="0" err="1" smtClean="0"/>
+              <a:t>days</a:t>
+            </a:r>
+            <a:r>
+              <a:rPr lang="fr-CH" dirty="0" smtClean="0"/>
+              <a:t> </a:t>
+            </a:r>
+            <a:r>
+              <a:rPr lang="fr-CH" dirty="0" smtClean="0">
+                <a:sym typeface="Wingdings" panose="05000000000000000000" pitchFamily="2" charset="2"/>
+              </a:rPr>
+              <a:t> no NA </a:t>
+            </a:r>
+            <a:r>
+              <a:rPr lang="fr-CH" dirty="0" err="1" smtClean="0">
+                <a:sym typeface="Wingdings" panose="05000000000000000000" pitchFamily="2" charset="2"/>
+              </a:rPr>
+              <a:t>anymore</a:t>
+            </a:r>
+            <a:r>
+              <a:rPr lang="fr-CH" dirty="0" smtClean="0">
+                <a:sym typeface="Wingdings" panose="05000000000000000000" pitchFamily="2" charset="2"/>
+              </a:rPr>
+              <a:t>, </a:t>
+            </a:r>
+            <a:r>
+              <a:rPr lang="fr-CH" dirty="0" err="1" smtClean="0">
+                <a:sym typeface="Wingdings" panose="05000000000000000000" pitchFamily="2" charset="2"/>
+              </a:rPr>
+              <a:t>linear</a:t>
+            </a:r>
+            <a:r>
+              <a:rPr lang="fr-CH" dirty="0" smtClean="0">
+                <a:sym typeface="Wingdings" panose="05000000000000000000" pitchFamily="2" charset="2"/>
+              </a:rPr>
+              <a:t> </a:t>
+            </a:r>
+            <a:r>
+              <a:rPr lang="fr-CH" dirty="0" err="1" smtClean="0">
+                <a:sym typeface="Wingdings" panose="05000000000000000000" pitchFamily="2" charset="2"/>
+              </a:rPr>
+              <a:t>increase</a:t>
+            </a:r>
+            <a:r>
+              <a:rPr lang="fr-CH" dirty="0" smtClean="0">
+                <a:sym typeface="Wingdings" panose="05000000000000000000" pitchFamily="2" charset="2"/>
+              </a:rPr>
+              <a:t> of simulation time</a:t>
+            </a:r>
+          </a:p>
+          <a:p>
+            <a:pPr lvl="1"/>
+            <a:r>
+              <a:rPr lang="fr-CH" dirty="0" err="1" smtClean="0"/>
+              <a:t>Differentiated</a:t>
+            </a:r>
+            <a:r>
+              <a:rPr lang="fr-CH" dirty="0" smtClean="0"/>
+              <a:t> output time </a:t>
+            </a:r>
+            <a:r>
+              <a:rPr lang="fr-CH" dirty="0" err="1" smtClean="0"/>
+              <a:t>vector</a:t>
+            </a:r>
+            <a:r>
+              <a:rPr lang="fr-CH" dirty="0" smtClean="0"/>
+              <a:t> (</a:t>
+            </a:r>
+            <a:r>
+              <a:rPr lang="fr-CH" dirty="0" err="1" smtClean="0"/>
+              <a:t>e.g</a:t>
+            </a:r>
+            <a:r>
+              <a:rPr lang="fr-CH" dirty="0" smtClean="0"/>
+              <a:t>., ½ </a:t>
+            </a:r>
+            <a:r>
+              <a:rPr lang="fr-CH" dirty="0" err="1" smtClean="0"/>
+              <a:t>days</a:t>
+            </a:r>
+            <a:r>
+              <a:rPr lang="fr-CH" dirty="0" smtClean="0"/>
+              <a:t> for 2 </a:t>
+            </a:r>
+            <a:r>
+              <a:rPr lang="fr-CH" dirty="0" err="1" smtClean="0"/>
+              <a:t>years</a:t>
+            </a:r>
+            <a:r>
+              <a:rPr lang="fr-CH" dirty="0" smtClean="0"/>
+              <a:t> and 1 </a:t>
+            </a:r>
+            <a:r>
+              <a:rPr lang="fr-CH" dirty="0" err="1" smtClean="0"/>
+              <a:t>day</a:t>
+            </a:r>
+            <a:r>
+              <a:rPr lang="fr-CH" dirty="0" smtClean="0"/>
+              <a:t> for 10 </a:t>
+            </a:r>
+            <a:r>
+              <a:rPr lang="fr-CH" dirty="0" err="1" smtClean="0"/>
+              <a:t>years</a:t>
+            </a:r>
+            <a:r>
+              <a:rPr lang="fr-CH" dirty="0" smtClean="0"/>
+              <a:t>) </a:t>
+            </a:r>
+            <a:r>
+              <a:rPr lang="fr-CH" dirty="0" smtClean="0">
+                <a:sym typeface="Wingdings" panose="05000000000000000000" pitchFamily="2" charset="2"/>
+              </a:rPr>
+              <a:t> </a:t>
+            </a:r>
+            <a:r>
+              <a:rPr lang="fr-CH" dirty="0" err="1" smtClean="0">
+                <a:sym typeface="Wingdings" panose="05000000000000000000" pitchFamily="2" charset="2"/>
+              </a:rPr>
+              <a:t>got</a:t>
+            </a:r>
+            <a:r>
+              <a:rPr lang="fr-CH" dirty="0" smtClean="0">
+                <a:sym typeface="Wingdings" panose="05000000000000000000" pitchFamily="2" charset="2"/>
+              </a:rPr>
+              <a:t> </a:t>
+            </a:r>
+            <a:r>
+              <a:rPr lang="fr-CH" dirty="0" err="1" smtClean="0">
+                <a:sym typeface="Wingdings" panose="05000000000000000000" pitchFamily="2" charset="2"/>
+              </a:rPr>
+              <a:t>numerical</a:t>
+            </a:r>
+            <a:r>
+              <a:rPr lang="fr-CH" dirty="0" smtClean="0">
+                <a:sym typeface="Wingdings" panose="05000000000000000000" pitchFamily="2" charset="2"/>
+              </a:rPr>
+              <a:t> </a:t>
+            </a:r>
+            <a:r>
+              <a:rPr lang="fr-CH" dirty="0" err="1" smtClean="0">
+                <a:sym typeface="Wingdings" panose="05000000000000000000" pitchFamily="2" charset="2"/>
+              </a:rPr>
+              <a:t>error</a:t>
+            </a:r>
+            <a:r>
+              <a:rPr lang="fr-CH" dirty="0" smtClean="0">
+                <a:sym typeface="Wingdings" panose="05000000000000000000" pitchFamily="2" charset="2"/>
+              </a:rPr>
+              <a:t>  </a:t>
+            </a:r>
+            <a:r>
+              <a:rPr lang="fr-CH" dirty="0" err="1" smtClean="0">
+                <a:sym typeface="Wingdings" panose="05000000000000000000" pitchFamily="2" charset="2"/>
+              </a:rPr>
+              <a:t>was</a:t>
+            </a:r>
+            <a:r>
+              <a:rPr lang="fr-CH" dirty="0" smtClean="0">
+                <a:sym typeface="Wingdings" panose="05000000000000000000" pitchFamily="2" charset="2"/>
+              </a:rPr>
+              <a:t> not </a:t>
+            </a:r>
+            <a:r>
+              <a:rPr lang="fr-CH" dirty="0" err="1" smtClean="0">
+                <a:sym typeface="Wingdings" panose="05000000000000000000" pitchFamily="2" charset="2"/>
+              </a:rPr>
+              <a:t>solved</a:t>
+            </a:r>
+            <a:r>
+              <a:rPr lang="fr-CH" dirty="0" smtClean="0">
+                <a:sym typeface="Wingdings" panose="05000000000000000000" pitchFamily="2" charset="2"/>
+              </a:rPr>
+              <a:t>, </a:t>
+            </a:r>
+            <a:r>
+              <a:rPr lang="fr-CH" dirty="0" err="1" smtClean="0">
+                <a:sym typeface="Wingdings" panose="05000000000000000000" pitchFamily="2" charset="2"/>
+              </a:rPr>
+              <a:t>neither</a:t>
+            </a:r>
+            <a:r>
+              <a:rPr lang="fr-CH" dirty="0" smtClean="0">
+                <a:sym typeface="Wingdings" panose="05000000000000000000" pitchFamily="2" charset="2"/>
+              </a:rPr>
+              <a:t> </a:t>
+            </a:r>
+            <a:r>
+              <a:rPr lang="fr-CH" dirty="0" err="1" smtClean="0">
+                <a:sym typeface="Wingdings" panose="05000000000000000000" pitchFamily="2" charset="2"/>
+              </a:rPr>
+              <a:t>atol</a:t>
+            </a:r>
+            <a:r>
+              <a:rPr lang="fr-CH" dirty="0" smtClean="0">
+                <a:sym typeface="Wingdings" panose="05000000000000000000" pitchFamily="2" charset="2"/>
+              </a:rPr>
+              <a:t> and </a:t>
+            </a:r>
+            <a:r>
+              <a:rPr lang="fr-CH" dirty="0" err="1" smtClean="0">
+                <a:sym typeface="Wingdings" panose="05000000000000000000" pitchFamily="2" charset="2"/>
+              </a:rPr>
+              <a:t>rtol</a:t>
+            </a:r>
+            <a:endParaRPr lang="fr-CH" dirty="0" smtClean="0">
+              <a:sym typeface="Wingdings" panose="05000000000000000000" pitchFamily="2" charset="2"/>
+            </a:endParaRPr>
+          </a:p>
+          <a:p>
+            <a:pPr lvl="1"/>
+            <a:r>
+              <a:rPr lang="fr-CH" dirty="0" smtClean="0">
+                <a:sym typeface="Wingdings" panose="05000000000000000000" pitchFamily="2" charset="2"/>
+              </a:rPr>
+              <a:t>Method «rk4» (not adaptive) 1 </a:t>
+            </a:r>
+            <a:r>
+              <a:rPr lang="fr-CH" dirty="0" err="1" smtClean="0">
+                <a:sym typeface="Wingdings" panose="05000000000000000000" pitchFamily="2" charset="2"/>
+              </a:rPr>
+              <a:t>day</a:t>
+            </a:r>
+            <a:r>
+              <a:rPr lang="fr-CH" dirty="0" smtClean="0">
+                <a:sym typeface="Wingdings" panose="05000000000000000000" pitchFamily="2" charset="2"/>
+              </a:rPr>
+              <a:t> no </a:t>
+            </a:r>
+            <a:r>
+              <a:rPr lang="fr-CH" dirty="0" err="1" smtClean="0">
+                <a:sym typeface="Wingdings" panose="05000000000000000000" pitchFamily="2" charset="2"/>
+              </a:rPr>
+              <a:t>error</a:t>
+            </a:r>
+            <a:r>
+              <a:rPr lang="fr-CH" dirty="0" smtClean="0">
+                <a:sym typeface="Wingdings" panose="05000000000000000000" pitchFamily="2" charset="2"/>
+              </a:rPr>
+              <a:t>, no </a:t>
+            </a:r>
+            <a:r>
+              <a:rPr lang="fr-CH" dirty="0" err="1" smtClean="0">
+                <a:sym typeface="Wingdings" panose="05000000000000000000" pitchFamily="2" charset="2"/>
+              </a:rPr>
+              <a:t>NAs</a:t>
+            </a:r>
+            <a:r>
+              <a:rPr lang="fr-CH" dirty="0" smtClean="0">
+                <a:sym typeface="Wingdings" panose="05000000000000000000" pitchFamily="2" charset="2"/>
+              </a:rPr>
+              <a:t>, back to «normal» simulation time</a:t>
+            </a:r>
+            <a:endParaRPr lang="en-US" dirty="0"/>
+          </a:p>
+        </p:txBody>
+      </p:sp>
+    </p:spTree>
+    <p:extLst>
+      <p:ext uri="{BB962C8B-B14F-4D97-AF65-F5344CB8AC3E}">
+        <p14:creationId xmlns:p14="http://schemas.microsoft.com/office/powerpoint/2010/main" val="1960318160"/>
+      </p:ext>
+    </p:extLst>
+  </p:cSld>
+  <p:clrMapOvr>
+    <a:masterClrMapping/>
+  </p:clrMapOvr>
+</p:sld>
+</file>
+
+<file path=ppt/slides/slide12.xml><?xml version="1.0" encoding="utf-8"?>
+<p:sld xmlns:a="http://schemas.openxmlformats.org/drawingml/2006/main" xmlns:r="http://schemas.openxmlformats.org/officeDocument/2006/relationships" xmlns:p="http://schemas.openxmlformats.org/presentationml/2006/main">
+  <p:cSld>
+    <p:spTree>
+      <p:nvGrpSpPr>
+        <p:cNvPr id="1" name=""/>
+        <p:cNvGrpSpPr/>
+        <p:nvPr/>
+      </p:nvGrpSpPr>
+      <p:grpSpPr>
+        <a:xfrm>
+          <a:off x="0" y="0"/>
+          <a:ext cx="0" cy="0"/>
+          <a:chOff x="0" y="0"/>
+          <a:chExt cx="0" cy="0"/>
+        </a:xfrm>
+      </p:grpSpPr>
+      <p:sp>
+        <p:nvSpPr>
+          <p:cNvPr id="2" name="Title 1"/>
+          <p:cNvSpPr>
+            <a:spLocks noGrp="1"/>
+          </p:cNvSpPr>
+          <p:nvPr>
+            <p:ph type="title"/>
+          </p:nvPr>
+        </p:nvSpPr>
+        <p:spPr/>
+        <p:txBody>
+          <a:bodyPr/>
+          <a:lstStyle/>
+          <a:p>
+            <a:endParaRPr lang="en-US"/>
+          </a:p>
+        </p:txBody>
+      </p:sp>
+      <p:sp>
+        <p:nvSpPr>
+          <p:cNvPr id="3" name="Content Placeholder 2"/>
+          <p:cNvSpPr>
+            <a:spLocks noGrp="1"/>
+          </p:cNvSpPr>
+          <p:nvPr>
+            <p:ph idx="1"/>
+          </p:nvPr>
+        </p:nvSpPr>
+        <p:spPr/>
+        <p:txBody>
+          <a:bodyPr/>
+          <a:lstStyle/>
+          <a:p>
+            <a:r>
+              <a:rPr lang="fr-CH" dirty="0" smtClean="0"/>
+              <a:t>Question: </a:t>
+            </a:r>
+            <a:r>
+              <a:rPr lang="fr-CH" dirty="0" err="1" smtClean="0"/>
+              <a:t>did</a:t>
+            </a:r>
+            <a:r>
+              <a:rPr lang="fr-CH" dirty="0" smtClean="0"/>
+              <a:t> </a:t>
+            </a:r>
+            <a:r>
+              <a:rPr lang="fr-CH" dirty="0" err="1" smtClean="0"/>
+              <a:t>we</a:t>
+            </a:r>
+            <a:r>
+              <a:rPr lang="fr-CH" dirty="0" smtClean="0"/>
+              <a:t> </a:t>
+            </a:r>
+            <a:r>
+              <a:rPr lang="fr-CH" dirty="0" err="1" smtClean="0"/>
+              <a:t>reach</a:t>
+            </a:r>
+            <a:r>
+              <a:rPr lang="fr-CH" dirty="0" smtClean="0"/>
+              <a:t> </a:t>
+            </a:r>
+            <a:r>
+              <a:rPr lang="fr-CH" dirty="0" err="1" smtClean="0"/>
+              <a:t>steady</a:t>
+            </a:r>
+            <a:r>
+              <a:rPr lang="fr-CH" dirty="0" smtClean="0"/>
+              <a:t> state? </a:t>
+            </a:r>
+            <a:r>
+              <a:rPr lang="fr-CH" dirty="0" err="1" smtClean="0"/>
+              <a:t>Adapted</a:t>
+            </a:r>
+            <a:r>
+              <a:rPr lang="fr-CH" dirty="0" smtClean="0"/>
+              <a:t> the warning for the </a:t>
+            </a:r>
+            <a:r>
+              <a:rPr lang="fr-CH" dirty="0" err="1" smtClean="0"/>
+              <a:t>steady</a:t>
+            </a:r>
+            <a:r>
+              <a:rPr lang="fr-CH" dirty="0" smtClean="0"/>
+              <a:t> state, </a:t>
+            </a:r>
+            <a:r>
+              <a:rPr lang="fr-CH" dirty="0" err="1" smtClean="0"/>
+              <a:t>is</a:t>
+            </a:r>
+            <a:r>
+              <a:rPr lang="fr-CH" dirty="0" smtClean="0"/>
+              <a:t> </a:t>
+            </a:r>
+            <a:r>
+              <a:rPr lang="fr-CH" dirty="0" err="1" smtClean="0"/>
+              <a:t>still</a:t>
+            </a:r>
+            <a:r>
+              <a:rPr lang="fr-CH" dirty="0" smtClean="0"/>
+              <a:t> sensitive to change, have to </a:t>
+            </a:r>
+            <a:r>
+              <a:rPr lang="fr-CH" dirty="0" err="1" smtClean="0"/>
+              <a:t>be</a:t>
+            </a:r>
+            <a:r>
+              <a:rPr lang="fr-CH" dirty="0" smtClean="0"/>
+              <a:t> </a:t>
+            </a:r>
+            <a:r>
+              <a:rPr lang="fr-CH" dirty="0" err="1" smtClean="0"/>
+              <a:t>checked</a:t>
+            </a:r>
+            <a:r>
+              <a:rPr lang="fr-CH" dirty="0" smtClean="0"/>
+              <a:t> «</a:t>
+            </a:r>
+            <a:r>
+              <a:rPr lang="fr-CH" dirty="0" err="1" smtClean="0"/>
+              <a:t>individually</a:t>
+            </a:r>
+            <a:r>
+              <a:rPr lang="fr-CH" dirty="0" smtClean="0"/>
+              <a:t>» for </a:t>
+            </a:r>
+            <a:r>
+              <a:rPr lang="fr-CH" dirty="0" err="1" smtClean="0"/>
+              <a:t>examples</a:t>
+            </a:r>
+            <a:r>
+              <a:rPr lang="fr-CH" dirty="0" smtClean="0"/>
+              <a:t> of sites </a:t>
+            </a:r>
+            <a:r>
+              <a:rPr lang="fr-CH" dirty="0" err="1" smtClean="0"/>
+              <a:t>getting</a:t>
+            </a:r>
+            <a:r>
+              <a:rPr lang="fr-CH" dirty="0" smtClean="0"/>
+              <a:t> a warning</a:t>
+            </a:r>
+            <a:endParaRPr lang="en-US" dirty="0"/>
+          </a:p>
+        </p:txBody>
+      </p:sp>
+    </p:spTree>
+    <p:extLst>
+      <p:ext uri="{BB962C8B-B14F-4D97-AF65-F5344CB8AC3E}">
+        <p14:creationId xmlns:p14="http://schemas.microsoft.com/office/powerpoint/2010/main" val="2678433526"/>
+      </p:ext>
+    </p:extLst>
+  </p:cSld>
+  <p:clrMapOvr>
+    <a:masterClrMapping/>
+  </p:clrMapOvr>
+</p:sld>
+</file>
+
+<file path=ppt/slides/slide13.xml><?xml version="1.0" encoding="utf-8"?>
+<p:sld xmlns:a="http://schemas.openxmlformats.org/drawingml/2006/main" xmlns:r="http://schemas.openxmlformats.org/officeDocument/2006/relationships" xmlns:p="http://schemas.openxmlformats.org/presentationml/2006/main">
+  <p:cSld>
+    <p:spTree>
+      <p:nvGrpSpPr>
+        <p:cNvPr id="1" name=""/>
+        <p:cNvGrpSpPr/>
+        <p:nvPr/>
+      </p:nvGrpSpPr>
+      <p:grpSpPr>
+        <a:xfrm>
+          <a:off x="0" y="0"/>
+          <a:ext cx="0" cy="0"/>
+          <a:chOff x="0" y="0"/>
+          <a:chExt cx="0" cy="0"/>
+        </a:xfrm>
+      </p:grpSpPr>
+      <p:sp>
+        <p:nvSpPr>
+          <p:cNvPr id="2" name="Title 1"/>
+          <p:cNvSpPr>
+            <a:spLocks noGrp="1"/>
+          </p:cNvSpPr>
+          <p:nvPr>
+            <p:ph type="title"/>
+          </p:nvPr>
+        </p:nvSpPr>
+        <p:spPr/>
+        <p:txBody>
+          <a:bodyPr/>
+          <a:lstStyle/>
+          <a:p>
+            <a:endParaRPr lang="en-US"/>
+          </a:p>
+        </p:txBody>
+      </p:sp>
+      <p:sp>
+        <p:nvSpPr>
+          <p:cNvPr id="3" name="Content Placeholder 2"/>
+          <p:cNvSpPr>
+            <a:spLocks noGrp="1"/>
+          </p:cNvSpPr>
+          <p:nvPr>
+            <p:ph idx="1"/>
+          </p:nvPr>
+        </p:nvSpPr>
+        <p:spPr/>
+        <p:txBody>
+          <a:bodyPr/>
+          <a:lstStyle/>
+          <a:p>
+            <a:r>
+              <a:rPr lang="fr-CH" dirty="0" err="1" smtClean="0"/>
+              <a:t>Where</a:t>
+            </a:r>
+            <a:r>
+              <a:rPr lang="fr-CH" dirty="0" smtClean="0"/>
+              <a:t> </a:t>
+            </a:r>
+            <a:r>
+              <a:rPr lang="fr-CH" dirty="0" err="1" smtClean="0"/>
+              <a:t>we</a:t>
+            </a:r>
+            <a:r>
+              <a:rPr lang="fr-CH" dirty="0" smtClean="0"/>
+              <a:t> </a:t>
+            </a:r>
+            <a:r>
+              <a:rPr lang="fr-CH" dirty="0" err="1" smtClean="0"/>
+              <a:t>get</a:t>
+            </a:r>
+            <a:r>
+              <a:rPr lang="fr-CH" dirty="0" smtClean="0"/>
+              <a:t> «</a:t>
+            </a:r>
+            <a:r>
+              <a:rPr lang="fr-CH" dirty="0" err="1" smtClean="0"/>
+              <a:t>strange</a:t>
+            </a:r>
+            <a:r>
+              <a:rPr lang="fr-CH" dirty="0" smtClean="0"/>
+              <a:t>» </a:t>
+            </a:r>
+            <a:r>
+              <a:rPr lang="fr-CH" dirty="0" err="1" smtClean="0"/>
+              <a:t>response</a:t>
+            </a:r>
+            <a:r>
+              <a:rPr lang="fr-CH" dirty="0" smtClean="0"/>
+              <a:t> to </a:t>
+            </a:r>
+            <a:r>
+              <a:rPr lang="fr-CH" dirty="0" err="1" smtClean="0"/>
+              <a:t>temperature</a:t>
+            </a:r>
+            <a:r>
+              <a:rPr lang="fr-CH" dirty="0" smtClean="0"/>
+              <a:t>, </a:t>
+            </a:r>
+            <a:r>
+              <a:rPr lang="fr-CH" dirty="0" err="1" smtClean="0"/>
+              <a:t>isolate</a:t>
+            </a:r>
+            <a:r>
+              <a:rPr lang="fr-CH" dirty="0" smtClean="0"/>
+              <a:t> the site and </a:t>
+            </a:r>
+            <a:r>
+              <a:rPr lang="fr-CH" dirty="0" err="1" smtClean="0"/>
+              <a:t>temperature</a:t>
+            </a:r>
+            <a:r>
+              <a:rPr lang="fr-CH" dirty="0" smtClean="0"/>
+              <a:t>, output </a:t>
+            </a:r>
+            <a:r>
+              <a:rPr lang="fr-CH" dirty="0" err="1" smtClean="0"/>
+              <a:t>additional</a:t>
+            </a:r>
+            <a:r>
+              <a:rPr lang="fr-CH" dirty="0" smtClean="0"/>
+              <a:t> </a:t>
+            </a:r>
+            <a:r>
+              <a:rPr lang="fr-CH" dirty="0" err="1" smtClean="0"/>
+              <a:t>results</a:t>
+            </a:r>
+            <a:r>
+              <a:rPr lang="fr-CH" dirty="0" smtClean="0"/>
+              <a:t> to </a:t>
+            </a:r>
+            <a:r>
+              <a:rPr lang="fr-CH" dirty="0" err="1" smtClean="0"/>
+              <a:t>understand</a:t>
+            </a:r>
+            <a:r>
+              <a:rPr lang="fr-CH" dirty="0" smtClean="0"/>
+              <a:t> the indirect </a:t>
+            </a:r>
+            <a:r>
+              <a:rPr lang="fr-CH" dirty="0" err="1" smtClean="0"/>
+              <a:t>effects</a:t>
+            </a:r>
+            <a:endParaRPr lang="en-US" dirty="0"/>
+          </a:p>
+        </p:txBody>
+      </p:sp>
+    </p:spTree>
+    <p:extLst>
+      <p:ext uri="{BB962C8B-B14F-4D97-AF65-F5344CB8AC3E}">
+        <p14:creationId xmlns:p14="http://schemas.microsoft.com/office/powerpoint/2010/main" val="1741720410"/>
+      </p:ext>
+    </p:extLst>
+  </p:cSld>
+  <p:clrMapOvr>
+    <a:masterClrMapping/>
+  </p:clrMapOvr>
+</p:sld>
+</file>
+
 <file path=ppt/slides/slide2.xml><?xml version="1.0" encoding="utf-8"?>
 <p:sld xmlns:a="http://schemas.openxmlformats.org/drawingml/2006/main" xmlns:r="http://schemas.openxmlformats.org/officeDocument/2006/relationships" xmlns:p="http://schemas.openxmlformats.org/presentationml/2006/main">
   <p:cSld>
@@ -5753,19 +6534,7 @@
               <a:rPr lang="fr-CH" dirty="0" smtClean="0">
                 <a:sym typeface="Wingdings" panose="05000000000000000000" pitchFamily="2" charset="2"/>
               </a:rPr>
-              <a:t> of </a:t>
-            </a:r>
-            <a:r>
-              <a:rPr lang="fr-CH" dirty="0" smtClean="0">
-                <a:sym typeface="Wingdings" panose="05000000000000000000" pitchFamily="2" charset="2"/>
-              </a:rPr>
-              <a:t>warning </a:t>
-            </a:r>
-            <a:r>
-              <a:rPr lang="fr-CH" dirty="0" smtClean="0">
-                <a:sym typeface="Wingdings" panose="05000000000000000000" pitchFamily="2" charset="2"/>
-              </a:rPr>
-              <a:t>of </a:t>
+              <a:t> of warning of </a:t>
             </a:r>
             <a:r>
               <a:rPr lang="fr-CH" dirty="0" err="1" smtClean="0">
